--- a/slides/AWS-Sagemaker-Planesnet-TFLearn-Bring-Your-Own-Container.pptx
+++ b/slides/AWS-Sagemaker-Planesnet-TFLearn-Bring-Your-Own-Container.pptx
@@ -5,10 +5,10 @@
     <p:sldMasterId id="2147483852" r:id="rId1"/>
   </p:sldMasterIdLst>
   <p:notesMasterIdLst>
-    <p:notesMasterId r:id="rId13"/>
+    <p:notesMasterId r:id="rId15"/>
   </p:notesMasterIdLst>
   <p:handoutMasterIdLst>
-    <p:handoutMasterId r:id="rId14"/>
+    <p:handoutMasterId r:id="rId16"/>
   </p:handoutMasterIdLst>
   <p:sldIdLst>
     <p:sldId id="256" r:id="rId2"/>
@@ -19,9 +19,11 @@
     <p:sldId id="273" r:id="rId7"/>
     <p:sldId id="275" r:id="rId8"/>
     <p:sldId id="272" r:id="rId9"/>
-    <p:sldId id="271" r:id="rId10"/>
-    <p:sldId id="268" r:id="rId11"/>
-    <p:sldId id="265" r:id="rId12"/>
+    <p:sldId id="277" r:id="rId10"/>
+    <p:sldId id="276" r:id="rId11"/>
+    <p:sldId id="271" r:id="rId12"/>
+    <p:sldId id="268" r:id="rId13"/>
+    <p:sldId id="265" r:id="rId14"/>
   </p:sldIdLst>
   <p:sldSz cx="9144000" cy="6858000" type="screen4x3"/>
   <p:notesSz cx="6858000" cy="9144000"/>
@@ -878,9 +880,275 @@
           <a:lstStyle/>
           <a:p>
             <a:fld id="{74DE7DC8-A302-4EFB-9208-987A80C71CE4}" type="slidenum">
-              <a:rPr lang="en-US" smtClean="0"/>
+              <a:rPr lang="en-US" smtClean="0">
+                <a:solidFill>
+                  <a:prstClr val="black"/>
+                </a:solidFill>
+              </a:rPr>
               <a:pPr/>
               <a:t>9</a:t>
+            </a:fld>
+            <a:endParaRPr lang="en-US" dirty="0">
+              <a:solidFill>
+                <a:prstClr val="black"/>
+              </a:solidFill>
+            </a:endParaRPr>
+          </a:p>
+        </p:txBody>
+      </p:sp>
+    </p:spTree>
+  </p:cSld>
+  <p:clrMapOvr>
+    <a:masterClrMapping/>
+  </p:clrMapOvr>
+</p:notes>
+</file>
+
+<file path=ppt/notesSlides/notesSlide3.xml><?xml version="1.0" encoding="utf-8"?>
+<p:notes xmlns:a="http://schemas.openxmlformats.org/drawingml/2006/main" xmlns:r="http://schemas.openxmlformats.org/officeDocument/2006/relationships" xmlns:p="http://schemas.openxmlformats.org/presentationml/2006/main">
+  <p:cSld>
+    <p:spTree>
+      <p:nvGrpSpPr>
+        <p:cNvPr id="1" name=""/>
+        <p:cNvGrpSpPr/>
+        <p:nvPr/>
+      </p:nvGrpSpPr>
+      <p:grpSpPr>
+        <a:xfrm>
+          <a:off x="0" y="0"/>
+          <a:ext cx="0" cy="0"/>
+          <a:chOff x="0" y="0"/>
+          <a:chExt cx="0" cy="0"/>
+        </a:xfrm>
+      </p:grpSpPr>
+      <p:sp>
+        <p:nvSpPr>
+          <p:cNvPr id="2" name="Slide Image Placeholder 1"/>
+          <p:cNvSpPr>
+            <a:spLocks noGrp="1" noRot="1" noChangeAspect="1"/>
+          </p:cNvSpPr>
+          <p:nvPr>
+            <p:ph type="sldImg"/>
+          </p:nvPr>
+        </p:nvSpPr>
+        <p:spPr/>
+      </p:sp>
+      <p:sp>
+        <p:nvSpPr>
+          <p:cNvPr id="3" name="Notes Placeholder 2"/>
+          <p:cNvSpPr>
+            <a:spLocks noGrp="1"/>
+          </p:cNvSpPr>
+          <p:nvPr>
+            <p:ph type="body" idx="1"/>
+          </p:nvPr>
+        </p:nvSpPr>
+        <p:spPr/>
+        <p:txBody>
+          <a:bodyPr>
+            <a:normAutofit/>
+          </a:bodyPr>
+          <a:lstStyle/>
+          <a:p>
+            <a:pPr marL="228600" indent="-228600">
+              <a:buAutoNum type="arabicPeriod"/>
+            </a:pPr>
+            <a:r>
+              <a:rPr lang="en-US" dirty="0" smtClean="0"/>
+              <a:t>Send a simple text message</a:t>
+            </a:r>
+          </a:p>
+          <a:p>
+            <a:pPr marL="228600" indent="-228600">
+              <a:buAutoNum type="arabicPeriod" startAt="2"/>
+            </a:pPr>
+            <a:r>
+              <a:rPr lang="en-US" dirty="0" smtClean="0"/>
+              <a:t>Use representative website</a:t>
+            </a:r>
+          </a:p>
+          <a:p>
+            <a:pPr marL="228600" indent="-228600">
+              <a:buAutoNum type="arabicPeriod" startAt="2"/>
+            </a:pPr>
+            <a:r>
+              <a:rPr lang="en-US" dirty="0" smtClean="0"/>
+              <a:t>Use</a:t>
+            </a:r>
+            <a:r>
+              <a:rPr lang="en-US" baseline="0" dirty="0" smtClean="0"/>
+              <a:t> </a:t>
+            </a:r>
+            <a:r>
+              <a:rPr lang="en-US" dirty="0" smtClean="0"/>
+              <a:t>phone dialer</a:t>
+            </a:r>
+            <a:endParaRPr lang="en-US" baseline="0" dirty="0" smtClean="0"/>
+          </a:p>
+          <a:p>
+            <a:pPr marL="228600" indent="-228600">
+              <a:buAutoNum type="arabicPeriod" startAt="2"/>
+            </a:pPr>
+            <a:r>
+              <a:rPr lang="en-US" baseline="0" dirty="0" smtClean="0"/>
+              <a:t>Use web browser</a:t>
+            </a:r>
+            <a:endParaRPr lang="en-US" dirty="0"/>
+          </a:p>
+        </p:txBody>
+      </p:sp>
+      <p:sp>
+        <p:nvSpPr>
+          <p:cNvPr id="4" name="Slide Number Placeholder 3"/>
+          <p:cNvSpPr>
+            <a:spLocks noGrp="1"/>
+          </p:cNvSpPr>
+          <p:nvPr>
+            <p:ph type="sldNum" sz="quarter" idx="10"/>
+          </p:nvPr>
+        </p:nvSpPr>
+        <p:spPr/>
+        <p:txBody>
+          <a:bodyPr/>
+          <a:lstStyle/>
+          <a:p>
+            <a:fld id="{74DE7DC8-A302-4EFB-9208-987A80C71CE4}" type="slidenum">
+              <a:rPr lang="en-US" smtClean="0">
+                <a:solidFill>
+                  <a:prstClr val="black"/>
+                </a:solidFill>
+              </a:rPr>
+              <a:pPr/>
+              <a:t>10</a:t>
+            </a:fld>
+            <a:endParaRPr lang="en-US" dirty="0">
+              <a:solidFill>
+                <a:prstClr val="black"/>
+              </a:solidFill>
+            </a:endParaRPr>
+          </a:p>
+        </p:txBody>
+      </p:sp>
+    </p:spTree>
+  </p:cSld>
+  <p:clrMapOvr>
+    <a:masterClrMapping/>
+  </p:clrMapOvr>
+</p:notes>
+</file>
+
+<file path=ppt/notesSlides/notesSlide4.xml><?xml version="1.0" encoding="utf-8"?>
+<p:notes xmlns:a="http://schemas.openxmlformats.org/drawingml/2006/main" xmlns:r="http://schemas.openxmlformats.org/officeDocument/2006/relationships" xmlns:p="http://schemas.openxmlformats.org/presentationml/2006/main">
+  <p:cSld>
+    <p:spTree>
+      <p:nvGrpSpPr>
+        <p:cNvPr id="1" name=""/>
+        <p:cNvGrpSpPr/>
+        <p:nvPr/>
+      </p:nvGrpSpPr>
+      <p:grpSpPr>
+        <a:xfrm>
+          <a:off x="0" y="0"/>
+          <a:ext cx="0" cy="0"/>
+          <a:chOff x="0" y="0"/>
+          <a:chExt cx="0" cy="0"/>
+        </a:xfrm>
+      </p:grpSpPr>
+      <p:sp>
+        <p:nvSpPr>
+          <p:cNvPr id="2" name="Slide Image Placeholder 1"/>
+          <p:cNvSpPr>
+            <a:spLocks noGrp="1" noRot="1" noChangeAspect="1"/>
+          </p:cNvSpPr>
+          <p:nvPr>
+            <p:ph type="sldImg"/>
+          </p:nvPr>
+        </p:nvSpPr>
+        <p:spPr/>
+      </p:sp>
+      <p:sp>
+        <p:nvSpPr>
+          <p:cNvPr id="3" name="Notes Placeholder 2"/>
+          <p:cNvSpPr>
+            <a:spLocks noGrp="1"/>
+          </p:cNvSpPr>
+          <p:nvPr>
+            <p:ph type="body" idx="1"/>
+          </p:nvPr>
+        </p:nvSpPr>
+        <p:spPr/>
+        <p:txBody>
+          <a:bodyPr>
+            <a:normAutofit/>
+          </a:bodyPr>
+          <a:lstStyle/>
+          <a:p>
+            <a:pPr marL="228600" indent="-228600">
+              <a:buAutoNum type="arabicPeriod"/>
+            </a:pPr>
+            <a:r>
+              <a:rPr lang="en-US" dirty="0" smtClean="0"/>
+              <a:t>Send a simple text message</a:t>
+            </a:r>
+          </a:p>
+          <a:p>
+            <a:pPr marL="228600" indent="-228600">
+              <a:buAutoNum type="arabicPeriod" startAt="2"/>
+            </a:pPr>
+            <a:r>
+              <a:rPr lang="en-US" dirty="0" smtClean="0"/>
+              <a:t>Use representative website</a:t>
+            </a:r>
+          </a:p>
+          <a:p>
+            <a:pPr marL="228600" indent="-228600">
+              <a:buAutoNum type="arabicPeriod" startAt="2"/>
+            </a:pPr>
+            <a:r>
+              <a:rPr lang="en-US" dirty="0" smtClean="0"/>
+              <a:t>Use</a:t>
+            </a:r>
+            <a:r>
+              <a:rPr lang="en-US" baseline="0" dirty="0" smtClean="0"/>
+              <a:t> </a:t>
+            </a:r>
+            <a:r>
+              <a:rPr lang="en-US" dirty="0" smtClean="0"/>
+              <a:t>phone dialer</a:t>
+            </a:r>
+            <a:endParaRPr lang="en-US" baseline="0" dirty="0" smtClean="0"/>
+          </a:p>
+          <a:p>
+            <a:pPr marL="228600" indent="-228600">
+              <a:buAutoNum type="arabicPeriod" startAt="2"/>
+            </a:pPr>
+            <a:r>
+              <a:rPr lang="en-US" baseline="0" dirty="0" smtClean="0"/>
+              <a:t>Use web browser</a:t>
+            </a:r>
+            <a:endParaRPr lang="en-US" dirty="0"/>
+          </a:p>
+        </p:txBody>
+      </p:sp>
+      <p:sp>
+        <p:nvSpPr>
+          <p:cNvPr id="4" name="Slide Number Placeholder 3"/>
+          <p:cNvSpPr>
+            <a:spLocks noGrp="1"/>
+          </p:cNvSpPr>
+          <p:nvPr>
+            <p:ph type="sldNum" sz="quarter" idx="10"/>
+          </p:nvPr>
+        </p:nvSpPr>
+        <p:spPr/>
+        <p:txBody>
+          <a:bodyPr/>
+          <a:lstStyle/>
+          <a:p>
+            <a:fld id="{74DE7DC8-A302-4EFB-9208-987A80C71CE4}" type="slidenum">
+              <a:rPr lang="en-US" smtClean="0"/>
+              <a:pPr/>
+              <a:t>11</a:t>
             </a:fld>
             <a:endParaRPr lang="en-US" dirty="0"/>
           </a:p>
@@ -3982,7 +4250,7 @@
       </p:grpSpPr>
       <p:sp>
         <p:nvSpPr>
-          <p:cNvPr id="2" name="Title 1"/>
+          <p:cNvPr id="3" name="Title 1"/>
           <p:cNvSpPr>
             <a:spLocks noGrp="1"/>
           </p:cNvSpPr>
@@ -3997,16 +4265,103 @@
           <a:p>
             <a:r>
               <a:rPr lang="en-US" dirty="0" smtClean="0"/>
-              <a:t>Questions?</a:t>
-            </a:r>
-            <a:endParaRPr lang="en-US" dirty="0"/>
+              <a:t>Quick Demo</a:t>
+            </a:r>
+            <a:endParaRPr lang="en-US" dirty="0"/>
+          </a:p>
+        </p:txBody>
+      </p:sp>
+      <p:sp>
+        <p:nvSpPr>
+          <p:cNvPr id="5" name="TextBox 4"/>
+          <p:cNvSpPr txBox="1"/>
+          <p:nvPr/>
+        </p:nvSpPr>
+        <p:spPr>
+          <a:xfrm>
+            <a:off x="757367" y="1584186"/>
+            <a:ext cx="7515090" cy="1754326"/>
+          </a:xfrm>
+          <a:prstGeom prst="rect">
+            <a:avLst/>
+          </a:prstGeom>
+          <a:noFill/>
+        </p:spPr>
+        <p:txBody>
+          <a:bodyPr wrap="square" rtlCol="0">
+            <a:spAutoFit/>
+          </a:bodyPr>
+          <a:lstStyle/>
+          <a:p>
+            <a:pPr>
+              <a:buFont typeface="Arial" pitchFamily="34" charset="0"/>
+              <a:buChar char="•"/>
+            </a:pPr>
+            <a:r>
+              <a:rPr lang="en-US" dirty="0" smtClean="0">
+                <a:solidFill>
+                  <a:prstClr val="black"/>
+                </a:solidFill>
+              </a:rPr>
+              <a:t>  To save time the AWS SageMaker PlanesNet/TFLearn project has already been run and deployed using the AWS SageMaker Console and a Jupyter Notebook.</a:t>
+            </a:r>
+          </a:p>
+          <a:p>
+            <a:pPr>
+              <a:buFont typeface="Arial" pitchFamily="34" charset="0"/>
+              <a:buChar char="•"/>
+            </a:pPr>
+            <a:r>
+              <a:rPr lang="en-US" dirty="0" smtClean="0">
+                <a:solidFill>
+                  <a:prstClr val="black"/>
+                </a:solidFill>
+              </a:rPr>
+              <a:t>  We’ll:</a:t>
+            </a:r>
+          </a:p>
+          <a:p>
+            <a:pPr lvl="1">
+              <a:buFont typeface="Arial" pitchFamily="34" charset="0"/>
+              <a:buChar char="•"/>
+            </a:pPr>
+            <a:r>
+              <a:rPr lang="en-US" dirty="0" smtClean="0">
+                <a:solidFill>
+                  <a:prstClr val="black"/>
+                </a:solidFill>
+              </a:rPr>
+              <a:t>  Step through the Jupyter Notebook to show the process</a:t>
+            </a:r>
+          </a:p>
+          <a:p>
+            <a:pPr lvl="1">
+              <a:buFont typeface="Arial" pitchFamily="34" charset="0"/>
+              <a:buChar char="•"/>
+            </a:pPr>
+            <a:r>
+              <a:rPr lang="en-US" dirty="0">
+                <a:solidFill>
+                  <a:prstClr val="black"/>
+                </a:solidFill>
+              </a:rPr>
+              <a:t> </a:t>
+            </a:r>
+            <a:r>
+              <a:rPr lang="en-US" dirty="0" smtClean="0">
+                <a:solidFill>
+                  <a:prstClr val="black"/>
+                </a:solidFill>
+              </a:rPr>
+              <a:t> Display the output of the Predictor Model</a:t>
+            </a:r>
           </a:p>
         </p:txBody>
       </p:sp>
     </p:spTree>
     <p:extLst>
       <p:ext uri="{BB962C8B-B14F-4D97-AF65-F5344CB8AC3E}">
-        <p14:creationId xmlns:p14="http://schemas.microsoft.com/office/powerpoint/2010/main" val="1733325867"/>
+        <p14:creationId xmlns:p14="http://schemas.microsoft.com/office/powerpoint/2010/main" val="1780325179"/>
       </p:ext>
     </p:extLst>
   </p:cSld>
@@ -4042,6 +4397,221 @@
       </p:grpSpPr>
       <p:sp>
         <p:nvSpPr>
+          <p:cNvPr id="3" name="Title 1"/>
+          <p:cNvSpPr>
+            <a:spLocks noGrp="1"/>
+          </p:cNvSpPr>
+          <p:nvPr>
+            <p:ph type="title"/>
+          </p:nvPr>
+        </p:nvSpPr>
+        <p:spPr/>
+        <p:txBody>
+          <a:bodyPr/>
+          <a:lstStyle/>
+          <a:p>
+            <a:r>
+              <a:rPr lang="en-US" dirty="0" smtClean="0"/>
+              <a:t>Conclusions</a:t>
+            </a:r>
+            <a:endParaRPr lang="en-US" dirty="0"/>
+          </a:p>
+        </p:txBody>
+      </p:sp>
+      <p:sp>
+        <p:nvSpPr>
+          <p:cNvPr id="5" name="TextBox 4"/>
+          <p:cNvSpPr txBox="1"/>
+          <p:nvPr/>
+        </p:nvSpPr>
+        <p:spPr>
+          <a:xfrm>
+            <a:off x="757367" y="1584186"/>
+            <a:ext cx="7515090" cy="2308324"/>
+          </a:xfrm>
+          <a:prstGeom prst="rect">
+            <a:avLst/>
+          </a:prstGeom>
+          <a:noFill/>
+        </p:spPr>
+        <p:txBody>
+          <a:bodyPr wrap="square" rtlCol="0">
+            <a:spAutoFit/>
+          </a:bodyPr>
+          <a:lstStyle/>
+          <a:p>
+            <a:pPr>
+              <a:buFont typeface="Arial" pitchFamily="34" charset="0"/>
+              <a:buChar char="•"/>
+            </a:pPr>
+            <a:r>
+              <a:rPr lang="en-US" dirty="0" smtClean="0"/>
+              <a:t>  Cons</a:t>
+            </a:r>
+          </a:p>
+          <a:p>
+            <a:pPr lvl="1">
+              <a:buFont typeface="Arial" pitchFamily="34" charset="0"/>
+              <a:buChar char="•"/>
+            </a:pPr>
+            <a:r>
+              <a:rPr lang="en-US" dirty="0" smtClean="0"/>
+              <a:t>  Creating a custom containers is time consuming but subsequent iterations are faster as you become more familiar with the process</a:t>
+            </a:r>
+          </a:p>
+          <a:p>
+            <a:pPr lvl="1">
+              <a:buFont typeface="Arial" pitchFamily="34" charset="0"/>
+              <a:buChar char="•"/>
+            </a:pPr>
+            <a:r>
+              <a:rPr lang="en-US" dirty="0"/>
+              <a:t> </a:t>
+            </a:r>
+            <a:r>
+              <a:rPr lang="en-US" dirty="0" smtClean="0"/>
+              <a:t> Requires knowledge of AWS, Docker, ML Framework, Language SDK, etc.</a:t>
+            </a:r>
+          </a:p>
+          <a:p>
+            <a:pPr>
+              <a:buFont typeface="Arial" pitchFamily="34" charset="0"/>
+              <a:buChar char="•"/>
+            </a:pPr>
+            <a:r>
+              <a:rPr lang="en-US" dirty="0" smtClean="0"/>
+              <a:t>  Pros</a:t>
+            </a:r>
+          </a:p>
+          <a:p>
+            <a:pPr lvl="1">
+              <a:buFont typeface="Arial" pitchFamily="34" charset="0"/>
+              <a:buChar char="•"/>
+            </a:pPr>
+            <a:r>
+              <a:rPr lang="en-US" dirty="0"/>
+              <a:t> </a:t>
+            </a:r>
+            <a:r>
+              <a:rPr lang="en-US" dirty="0" smtClean="0"/>
+              <a:t> Managed Service</a:t>
+            </a:r>
+          </a:p>
+          <a:p>
+            <a:pPr lvl="1">
+              <a:buFont typeface="Arial" pitchFamily="34" charset="0"/>
+              <a:buChar char="•"/>
+            </a:pPr>
+            <a:r>
+              <a:rPr lang="en-US" dirty="0"/>
+              <a:t> </a:t>
+            </a:r>
+            <a:r>
+              <a:rPr lang="en-US" dirty="0" smtClean="0"/>
+              <a:t> On Demand</a:t>
+            </a:r>
+          </a:p>
+        </p:txBody>
+      </p:sp>
+    </p:spTree>
+    <p:extLst>
+      <p:ext uri="{BB962C8B-B14F-4D97-AF65-F5344CB8AC3E}">
+        <p14:creationId xmlns:p14="http://schemas.microsoft.com/office/powerpoint/2010/main" val="1236400761"/>
+      </p:ext>
+    </p:extLst>
+  </p:cSld>
+  <p:clrMapOvr>
+    <a:masterClrMapping/>
+  </p:clrMapOvr>
+  <p:timing>
+    <p:tnLst>
+      <p:par>
+        <p:cTn id="1" dur="indefinite" restart="never" nodeType="tmRoot"/>
+      </p:par>
+    </p:tnLst>
+  </p:timing>
+</p:sld>
+</file>
+
+<file path=ppt/slides/slide12.xml><?xml version="1.0" encoding="utf-8"?>
+<p:sld xmlns:a="http://schemas.openxmlformats.org/drawingml/2006/main" xmlns:r="http://schemas.openxmlformats.org/officeDocument/2006/relationships" xmlns:p="http://schemas.openxmlformats.org/presentationml/2006/main">
+  <p:cSld>
+    <p:spTree>
+      <p:nvGrpSpPr>
+        <p:cNvPr id="1" name=""/>
+        <p:cNvGrpSpPr/>
+        <p:nvPr/>
+      </p:nvGrpSpPr>
+      <p:grpSpPr>
+        <a:xfrm>
+          <a:off x="0" y="0"/>
+          <a:ext cx="0" cy="0"/>
+          <a:chOff x="0" y="0"/>
+          <a:chExt cx="0" cy="0"/>
+        </a:xfrm>
+      </p:grpSpPr>
+      <p:sp>
+        <p:nvSpPr>
+          <p:cNvPr id="2" name="Title 1"/>
+          <p:cNvSpPr>
+            <a:spLocks noGrp="1"/>
+          </p:cNvSpPr>
+          <p:nvPr>
+            <p:ph type="title"/>
+          </p:nvPr>
+        </p:nvSpPr>
+        <p:spPr/>
+        <p:txBody>
+          <a:bodyPr/>
+          <a:lstStyle/>
+          <a:p>
+            <a:r>
+              <a:rPr lang="en-US" dirty="0" smtClean="0"/>
+              <a:t>Questions?</a:t>
+            </a:r>
+            <a:endParaRPr lang="en-US" dirty="0"/>
+          </a:p>
+        </p:txBody>
+      </p:sp>
+    </p:spTree>
+    <p:extLst>
+      <p:ext uri="{BB962C8B-B14F-4D97-AF65-F5344CB8AC3E}">
+        <p14:creationId xmlns:p14="http://schemas.microsoft.com/office/powerpoint/2010/main" val="1733325867"/>
+      </p:ext>
+    </p:extLst>
+  </p:cSld>
+  <p:clrMapOvr>
+    <a:masterClrMapping/>
+  </p:clrMapOvr>
+  <p:timing>
+    <p:tnLst>
+      <p:par>
+        <p:cTn id="1" dur="indefinite" restart="never" nodeType="tmRoot"/>
+      </p:par>
+    </p:tnLst>
+  </p:timing>
+</p:sld>
+</file>
+
+<file path=ppt/slides/slide13.xml><?xml version="1.0" encoding="utf-8"?>
+<p:sld xmlns:a="http://schemas.openxmlformats.org/drawingml/2006/main" xmlns:r="http://schemas.openxmlformats.org/officeDocument/2006/relationships" xmlns:p="http://schemas.openxmlformats.org/presentationml/2006/main">
+  <p:cSld>
+    <p:spTree>
+      <p:nvGrpSpPr>
+        <p:cNvPr id="1" name=""/>
+        <p:cNvGrpSpPr/>
+        <p:nvPr/>
+      </p:nvGrpSpPr>
+      <p:grpSpPr>
+        <a:xfrm>
+          <a:off x="0" y="0"/>
+          <a:ext cx="0" cy="0"/>
+          <a:chOff x="0" y="0"/>
+          <a:chExt cx="0" cy="0"/>
+        </a:xfrm>
+      </p:grpSpPr>
+      <p:sp>
+        <p:nvSpPr>
           <p:cNvPr id="5" name="TextBox 4"/>
           <p:cNvSpPr txBox="1"/>
           <p:nvPr/>
@@ -4287,11 +4857,7 @@
             </a:r>
             <a:r>
               <a:rPr lang="en-US" dirty="0" smtClean="0"/>
-              <a:t>PyTorch, and Apache Spark </a:t>
-            </a:r>
-            <a:r>
-              <a:rPr lang="en-US" dirty="0" smtClean="0"/>
-              <a:t>out of the box</a:t>
+              <a:t>PyTorch, and Apache Spark out of the box</a:t>
             </a:r>
           </a:p>
           <a:p>
@@ -4328,13 +4894,8 @@
             </a:r>
             <a:r>
               <a:rPr lang="en-US" dirty="0" smtClean="0"/>
-              <a:t>frameworks</a:t>
-            </a:r>
-            <a:r>
-              <a:rPr lang="en-US" dirty="0" smtClean="0"/>
-              <a:t>.  i.e. “Bring Your Own Container”</a:t>
-            </a:r>
-            <a:endParaRPr lang="en-US" dirty="0" smtClean="0"/>
+              <a:t>frameworks.  i.e. “Bring Your Own Container”</a:t>
+            </a:r>
           </a:p>
         </p:txBody>
       </p:sp>
@@ -4583,7 +5144,15 @@
             </a:pPr>
             <a:r>
               <a:rPr lang="en-US" dirty="0" smtClean="0"/>
-              <a:t>AWS SageMaker has a definite project structure for creating your own container</a:t>
+              <a:t>AWS SageMaker has a </a:t>
+            </a:r>
+            <a:r>
+              <a:rPr lang="en-US" dirty="0" smtClean="0"/>
+              <a:t>predefined project </a:t>
+            </a:r>
+            <a:r>
+              <a:rPr lang="en-US" dirty="0" smtClean="0"/>
+              <a:t>structure for creating your own container</a:t>
             </a:r>
           </a:p>
           <a:p>
@@ -4613,7 +5182,23 @@
             </a:pPr>
             <a:r>
               <a:rPr lang="en-US" dirty="0" smtClean="0"/>
-              <a:t>Although it uses scikit as it’s ML Library it becomes easy to see where you need to plugin your specific code and libraries</a:t>
+              <a:t>Although it uses scikit as it’s ML Library it </a:t>
+            </a:r>
+            <a:r>
+              <a:rPr lang="en-US" dirty="0" smtClean="0"/>
+              <a:t>pretty easy </a:t>
+            </a:r>
+            <a:r>
+              <a:rPr lang="en-US" dirty="0" smtClean="0"/>
+              <a:t>to see </a:t>
+            </a:r>
+            <a:r>
+              <a:rPr lang="en-US" dirty="0" smtClean="0"/>
+              <a:t>upon inspection where </a:t>
+            </a:r>
+            <a:r>
+              <a:rPr lang="en-US" dirty="0" smtClean="0"/>
+              <a:t>you need to plugin your specific code and libraries</a:t>
             </a:r>
           </a:p>
           <a:p>
@@ -4724,7 +5309,31 @@
                   <a:prstClr val="black"/>
                 </a:solidFill>
               </a:rPr>
-              <a:t>PlanesNet-Detector was a TFLearn/Python project used as a starting point</a:t>
+              <a:t>We used PlanesNet-Detector a </a:t>
+            </a:r>
+            <a:r>
+              <a:rPr lang="en-US" dirty="0" smtClean="0">
+                <a:solidFill>
+                  <a:prstClr val="black"/>
+                </a:solidFill>
+              </a:rPr>
+              <a:t>TFLearn/Python project </a:t>
+            </a:r>
+            <a:r>
+              <a:rPr lang="en-US" dirty="0" smtClean="0">
+                <a:solidFill>
+                  <a:prstClr val="black"/>
+                </a:solidFill>
+              </a:rPr>
+              <a:t>as </a:t>
+            </a:r>
+            <a:r>
+              <a:rPr lang="en-US" dirty="0" smtClean="0">
+                <a:solidFill>
+                  <a:prstClr val="black"/>
+                </a:solidFill>
+              </a:rPr>
+              <a:t>a starting point</a:t>
             </a:r>
           </a:p>
           <a:p>
@@ -4776,11 +5385,6 @@
               </a:rPr>
               <a:t>It was implemented as a stand-alone command line project with clear instructions and testing artifacts</a:t>
             </a:r>
-            <a:endParaRPr lang="en-US" dirty="0" smtClean="0">
-              <a:solidFill>
-                <a:prstClr val="black"/>
-              </a:solidFill>
-            </a:endParaRPr>
           </a:p>
         </p:txBody>
       </p:sp>
@@ -4974,62 +5578,47 @@
           </a:p>
         </p:txBody>
       </p:sp>
-      <p:sp>
-        <p:nvSpPr>
-          <p:cNvPr id="2" name="TextBox 1"/>
-          <p:cNvSpPr txBox="1"/>
+      <p:pic>
+        <p:nvPicPr>
+          <p:cNvPr id="1026" name="Picture 2" descr="C:\Users\kskalvar\Downloads\Capture.PNG"/>
+          <p:cNvPicPr>
+            <a:picLocks noChangeAspect="1" noChangeArrowheads="1"/>
+          </p:cNvPicPr>
           <p:nvPr/>
-        </p:nvSpPr>
-        <p:spPr>
+        </p:nvPicPr>
+        <p:blipFill>
+          <a:blip r:embed="rId2">
+            <a:extLst>
+              <a:ext uri="{28A0092B-C50C-407E-A947-70E740481C1C}">
+                <a14:useLocalDpi xmlns:a14="http://schemas.microsoft.com/office/drawing/2010/main" val="0"/>
+              </a:ext>
+            </a:extLst>
+          </a:blip>
+          <a:srcRect/>
+          <a:stretch>
+            <a:fillRect/>
+          </a:stretch>
+        </p:blipFill>
+        <p:spPr bwMode="auto">
           <a:xfrm>
-            <a:off x="1064029" y="1886989"/>
-            <a:ext cx="6899564" cy="646331"/>
+            <a:off x="1656827" y="1523125"/>
+            <a:ext cx="6106378" cy="4553586"/>
           </a:xfrm>
           <a:prstGeom prst="rect">
             <a:avLst/>
           </a:prstGeom>
           <a:noFill/>
+          <a:extLst>
+            <a:ext uri="{909E8E84-426E-40DD-AFC4-6F175D3DCCD1}">
+              <a14:hiddenFill xmlns:a14="http://schemas.microsoft.com/office/drawing/2010/main">
+                <a:solidFill>
+                  <a:srgbClr val="FFFFFF"/>
+                </a:solidFill>
+              </a14:hiddenFill>
+            </a:ext>
+          </a:extLst>
         </p:spPr>
-        <p:txBody>
-          <a:bodyPr wrap="square" rtlCol="0">
-            <a:spAutoFit/>
-          </a:bodyPr>
-          <a:lstStyle/>
-          <a:p>
-            <a:pPr marL="285750" indent="-285750">
-              <a:buFont typeface="Arial" pitchFamily="34" charset="0"/>
-              <a:buChar char="•"/>
-            </a:pPr>
-            <a:r>
-              <a:rPr lang="en-US" dirty="0" smtClean="0">
-                <a:solidFill>
-                  <a:prstClr val="black"/>
-                </a:solidFill>
-              </a:rPr>
-              <a:t>Data Scientist</a:t>
-            </a:r>
-          </a:p>
-          <a:p>
-            <a:pPr marL="285750" indent="-285750">
-              <a:buFont typeface="Arial" pitchFamily="34" charset="0"/>
-              <a:buChar char="•"/>
-            </a:pPr>
-            <a:r>
-              <a:rPr lang="en-US" dirty="0" smtClean="0">
-                <a:solidFill>
-                  <a:prstClr val="black"/>
-                </a:solidFill>
-              </a:rPr>
-              <a:t>Developer/Infrastructure</a:t>
-            </a:r>
-            <a:endParaRPr lang="en-US" dirty="0">
-              <a:solidFill>
-                <a:prstClr val="black"/>
-              </a:solidFill>
-            </a:endParaRPr>
-          </a:p>
-        </p:txBody>
-      </p:sp>
+      </p:pic>
     </p:spTree>
     <p:extLst>
       <p:ext uri="{BB962C8B-B14F-4D97-AF65-F5344CB8AC3E}">
@@ -5084,7 +5673,7 @@
           <a:p>
             <a:r>
               <a:rPr lang="en-US" dirty="0" smtClean="0"/>
-              <a:t>Quick Demo</a:t>
+              <a:t>Modifications</a:t>
             </a:r>
             <a:endParaRPr lang="en-US" dirty="0"/>
           </a:p>
@@ -5099,7 +5688,7 @@
         <p:spPr>
           <a:xfrm>
             <a:off x="757367" y="1584186"/>
-            <a:ext cx="7515090" cy="1754326"/>
+            <a:ext cx="7515090" cy="4247317"/>
           </a:xfrm>
           <a:prstGeom prst="rect">
             <a:avLst/>
@@ -5118,24 +5707,30 @@
             </a:pPr>
             <a:r>
               <a:rPr lang="en-US" dirty="0" smtClean="0"/>
-              <a:t>  To save time the </a:t>
-            </a:r>
-            <a:r>
-              <a:rPr lang="en-US" dirty="0" smtClean="0"/>
-              <a:t>AWS SageMaker PlanesNet/TFLearn </a:t>
-            </a:r>
-            <a:r>
-              <a:rPr lang="en-US" dirty="0" smtClean="0"/>
-              <a:t>project has already been </a:t>
-            </a:r>
-            <a:r>
-              <a:rPr lang="en-US" dirty="0" smtClean="0"/>
-              <a:t>run and </a:t>
-            </a:r>
-            <a:r>
-              <a:rPr lang="en-US" dirty="0" smtClean="0"/>
-              <a:t>deployed using the AWS SageMaker Console and a Jupyter Notebook.</a:t>
-            </a:r>
+              <a:t>  </a:t>
+            </a:r>
+            <a:r>
+              <a:rPr lang="en-US" dirty="0" smtClean="0"/>
+              <a:t>container/decision_trees/model.py</a:t>
+            </a:r>
+          </a:p>
+          <a:p>
+            <a:pPr lvl="1">
+              <a:buFont typeface="Arial" pitchFamily="34" charset="0"/>
+              <a:buChar char="•"/>
+            </a:pPr>
+            <a:r>
+              <a:rPr lang="en-US" dirty="0"/>
+              <a:t> </a:t>
+            </a:r>
+            <a:r>
+              <a:rPr lang="en-US" dirty="0" smtClean="0"/>
+              <a:t> Your model code</a:t>
+            </a:r>
+          </a:p>
+          <a:p>
+            <a:pPr lvl="1"/>
+            <a:endParaRPr lang="en-US" dirty="0" smtClean="0"/>
           </a:p>
           <a:p>
             <a:pPr>
@@ -5143,8 +5738,12 @@
               <a:buChar char="•"/>
             </a:pPr>
             <a:r>
-              <a:rPr lang="en-US" dirty="0" smtClean="0"/>
-              <a:t>  We’ll:</a:t>
+              <a:rPr lang="en-US" dirty="0"/>
+              <a:t> </a:t>
+            </a:r>
+            <a:r>
+              <a:rPr lang="en-US" dirty="0" smtClean="0"/>
+              <a:t> container/decision_trees/predictor.py</a:t>
             </a:r>
           </a:p>
           <a:p>
@@ -5153,8 +5752,30 @@
               <a:buChar char="•"/>
             </a:pPr>
             <a:r>
-              <a:rPr lang="en-US" dirty="0" smtClean="0"/>
-              <a:t>  Step through the Jupyter Notebook to show the process</a:t>
+              <a:rPr lang="en-US" dirty="0"/>
+              <a:t> </a:t>
+            </a:r>
+            <a:r>
+              <a:rPr lang="en-US" dirty="0" smtClean="0"/>
+              <a:t> Your prediction code</a:t>
+            </a:r>
+          </a:p>
+          <a:p>
+            <a:pPr lvl="1"/>
+            <a:endParaRPr lang="en-US" dirty="0" smtClean="0"/>
+          </a:p>
+          <a:p>
+            <a:pPr>
+              <a:buFont typeface="Arial" pitchFamily="34" charset="0"/>
+              <a:buChar char="•"/>
+            </a:pPr>
+            <a:r>
+              <a:rPr lang="en-US" dirty="0"/>
+              <a:t> </a:t>
+            </a:r>
+            <a:r>
+              <a:rPr lang="en-US" dirty="0" smtClean="0"/>
+              <a:t> container/decision trees/train</a:t>
             </a:r>
           </a:p>
           <a:p>
@@ -5163,13 +5784,77 @@
               <a:buChar char="•"/>
             </a:pPr>
             <a:r>
+              <a:rPr lang="en-US" dirty="0" smtClean="0"/>
+              <a:t>  Your training code</a:t>
+            </a:r>
+          </a:p>
+          <a:p>
+            <a:pPr lvl="1"/>
+            <a:endParaRPr lang="en-US" dirty="0"/>
+          </a:p>
+          <a:p>
+            <a:pPr>
+              <a:buFont typeface="Arial" pitchFamily="34" charset="0"/>
+              <a:buChar char="•"/>
+            </a:pPr>
+            <a:r>
+              <a:rPr lang="en-US" dirty="0" smtClean="0"/>
+              <a:t>  container/Dockerfile</a:t>
+            </a:r>
+          </a:p>
+          <a:p>
+            <a:pPr lvl="1">
+              <a:buFont typeface="Arial" pitchFamily="34" charset="0"/>
+              <a:buChar char="•"/>
+            </a:pPr>
+            <a:r>
               <a:rPr lang="en-US" dirty="0"/>
               <a:t> </a:t>
             </a:r>
             <a:r>
               <a:rPr lang="en-US" dirty="0" smtClean="0"/>
-              <a:t> Display the output of the Predictor Model</a:t>
-            </a:r>
+              <a:t> To support your ML Library and other libraries required by your code</a:t>
+            </a:r>
+          </a:p>
+          <a:p>
+            <a:pPr lvl="1"/>
+            <a:endParaRPr lang="en-US" dirty="0" smtClean="0"/>
+          </a:p>
+          <a:p>
+            <a:pPr>
+              <a:buFont typeface="Arial" pitchFamily="34" charset="0"/>
+              <a:buChar char="•"/>
+            </a:pPr>
+            <a:r>
+              <a:rPr lang="en-US" dirty="0"/>
+              <a:t> </a:t>
+            </a:r>
+            <a:r>
+              <a:rPr lang="en-US" dirty="0" smtClean="0"/>
+              <a:t> *.ipynb Jupyter Notebook</a:t>
+            </a:r>
+          </a:p>
+          <a:p>
+            <a:pPr lvl="1">
+              <a:buFont typeface="Arial" pitchFamily="34" charset="0"/>
+              <a:buChar char="•"/>
+            </a:pPr>
+            <a:r>
+              <a:rPr lang="en-US" dirty="0"/>
+              <a:t> </a:t>
+            </a:r>
+            <a:r>
+              <a:rPr lang="en-US" dirty="0" smtClean="0"/>
+              <a:t> Your detection code</a:t>
+            </a:r>
+            <a:endParaRPr lang="en-US" dirty="0"/>
+          </a:p>
+          <a:p>
+            <a:pPr>
+              <a:buFont typeface="Arial" pitchFamily="34" charset="0"/>
+              <a:buChar char="•"/>
+            </a:pPr>
+            <a:endParaRPr lang="en-US" dirty="0" smtClean="0"/>
           </a:p>
         </p:txBody>
       </p:sp>
@@ -5227,7 +5912,7 @@
           <a:p>
             <a:r>
               <a:rPr lang="en-US" dirty="0" smtClean="0"/>
-              <a:t>Conclusions</a:t>
+              <a:t>Modifications</a:t>
             </a:r>
             <a:endParaRPr lang="en-US" dirty="0"/>
           </a:p>
@@ -5242,7 +5927,7 @@
         <p:spPr>
           <a:xfrm>
             <a:off x="757367" y="1584186"/>
-            <a:ext cx="7515090" cy="2308324"/>
+            <a:ext cx="7515090" cy="4247317"/>
           </a:xfrm>
           <a:prstGeom prst="rect">
             <a:avLst/>
@@ -5260,8 +5945,20 @@
               <a:buChar char="•"/>
             </a:pPr>
             <a:r>
-              <a:rPr lang="en-US" dirty="0" smtClean="0"/>
-              <a:t>  Cons</a:t>
+              <a:rPr lang="en-US" dirty="0">
+                <a:solidFill>
+                  <a:prstClr val="black"/>
+                </a:solidFill>
+              </a:rPr>
+              <a:t> </a:t>
+            </a:r>
+            <a:r>
+              <a:rPr lang="en-US" dirty="0" smtClean="0">
+                <a:solidFill>
+                  <a:prstClr val="black"/>
+                </a:solidFill>
+              </a:rPr>
+              <a:t> local_test/input/data/training/</a:t>
             </a:r>
           </a:p>
           <a:p>
@@ -5270,24 +5967,20 @@
               <a:buChar char="•"/>
             </a:pPr>
             <a:r>
-              <a:rPr lang="en-US" dirty="0" smtClean="0"/>
-              <a:t>  </a:t>
-            </a:r>
-            <a:r>
-              <a:rPr lang="en-US" dirty="0" smtClean="0"/>
-              <a:t>Creating </a:t>
-            </a:r>
-            <a:r>
-              <a:rPr lang="en-US" dirty="0" smtClean="0"/>
-              <a:t>a custom </a:t>
-            </a:r>
-            <a:r>
-              <a:rPr lang="en-US" dirty="0" smtClean="0"/>
-              <a:t>containers </a:t>
-            </a:r>
-            <a:r>
-              <a:rPr lang="en-US" dirty="0" smtClean="0"/>
-              <a:t>is time consuming but subsequent iterations are faster as you become more familiar with the process</a:t>
+              <a:rPr lang="en-US" dirty="0">
+                <a:solidFill>
+                  <a:prstClr val="black"/>
+                </a:solidFill>
+              </a:rPr>
+              <a:t> </a:t>
+            </a:r>
+            <a:r>
+              <a:rPr lang="en-US" dirty="0" smtClean="0">
+                <a:solidFill>
+                  <a:prstClr val="black"/>
+                </a:solidFill>
+              </a:rPr>
+              <a:t> location of your training data for use against your docker container running locally on port 8080</a:t>
             </a:r>
           </a:p>
           <a:p>
@@ -5295,22 +5988,11 @@
               <a:buFont typeface="Arial" pitchFamily="34" charset="0"/>
               <a:buChar char="•"/>
             </a:pPr>
-            <a:r>
-              <a:rPr lang="en-US" dirty="0"/>
-              <a:t> </a:t>
-            </a:r>
-            <a:r>
-              <a:rPr lang="en-US" dirty="0" smtClean="0"/>
-              <a:t> Requires knowledge of AWS, Docker, ML Framework, </a:t>
-            </a:r>
-            <a:r>
-              <a:rPr lang="en-US" dirty="0" smtClean="0"/>
-              <a:t>Language SDK, </a:t>
-            </a:r>
-            <a:r>
-              <a:rPr lang="en-US" dirty="0" smtClean="0"/>
-              <a:t>etc.</a:t>
-            </a:r>
+            <a:endParaRPr lang="en-US" dirty="0">
+              <a:solidFill>
+                <a:prstClr val="black"/>
+              </a:solidFill>
+            </a:endParaRPr>
           </a:p>
           <a:p>
             <a:pPr>
@@ -5318,8 +6000,12 @@
               <a:buChar char="•"/>
             </a:pPr>
             <a:r>
-              <a:rPr lang="en-US" dirty="0" smtClean="0"/>
-              <a:t>  Pros</a:t>
+              <a:rPr lang="en-US" dirty="0" smtClean="0">
+                <a:solidFill>
+                  <a:prstClr val="black"/>
+                </a:solidFill>
+              </a:rPr>
+              <a:t>  local_test/serve_local.sh</a:t>
             </a:r>
           </a:p>
           <a:p>
@@ -5328,16 +6014,20 @@
               <a:buChar char="•"/>
             </a:pPr>
             <a:r>
-              <a:rPr lang="en-US" dirty="0"/>
+              <a:rPr lang="en-US" dirty="0">
+                <a:solidFill>
+                  <a:prstClr val="black"/>
+                </a:solidFill>
+              </a:rPr>
               <a:t> </a:t>
             </a:r>
             <a:r>
-              <a:rPr lang="en-US" dirty="0" smtClean="0"/>
-              <a:t> Managed </a:t>
-            </a:r>
-            <a:r>
-              <a:rPr lang="en-US" dirty="0" smtClean="0"/>
-              <a:t>Service</a:t>
+              <a:rPr lang="en-US" dirty="0" smtClean="0">
+                <a:solidFill>
+                  <a:prstClr val="black"/>
+                </a:solidFill>
+              </a:rPr>
+              <a:t> script to run docker container running locally on port 8080</a:t>
             </a:r>
           </a:p>
           <a:p>
@@ -5345,21 +6035,114 @@
               <a:buFont typeface="Arial" pitchFamily="34" charset="0"/>
               <a:buChar char="•"/>
             </a:pPr>
-            <a:r>
-              <a:rPr lang="en-US" dirty="0"/>
+            <a:endParaRPr lang="en-US" dirty="0">
+              <a:solidFill>
+                <a:prstClr val="black"/>
+              </a:solidFill>
+            </a:endParaRPr>
+          </a:p>
+          <a:p>
+            <a:pPr>
+              <a:buFont typeface="Arial" pitchFamily="34" charset="0"/>
+              <a:buChar char="•"/>
+            </a:pPr>
+            <a:r>
+              <a:rPr lang="en-US" dirty="0" smtClean="0">
+                <a:solidFill>
+                  <a:prstClr val="black"/>
+                </a:solidFill>
+              </a:rPr>
+              <a:t>  local_test/train_local.sh</a:t>
+            </a:r>
+          </a:p>
+          <a:p>
+            <a:pPr lvl="1">
+              <a:buFont typeface="Arial" pitchFamily="34" charset="0"/>
+              <a:buChar char="•"/>
+            </a:pPr>
+            <a:r>
+              <a:rPr lang="en-US" dirty="0">
+                <a:solidFill>
+                  <a:prstClr val="black"/>
+                </a:solidFill>
+              </a:rPr>
               <a:t> </a:t>
             </a:r>
             <a:r>
-              <a:rPr lang="en-US" dirty="0" smtClean="0"/>
-              <a:t> On Demand</a:t>
-            </a:r>
+              <a:rPr lang="en-US" dirty="0" smtClean="0">
+                <a:solidFill>
+                  <a:prstClr val="black"/>
+                </a:solidFill>
+              </a:rPr>
+              <a:t>script to run training against your docker container running locally on port 8080</a:t>
+            </a:r>
+          </a:p>
+          <a:p>
+            <a:pPr lvl="1">
+              <a:buFont typeface="Arial" pitchFamily="34" charset="0"/>
+              <a:buChar char="•"/>
+            </a:pPr>
+            <a:endParaRPr lang="en-US" dirty="0">
+              <a:solidFill>
+                <a:prstClr val="black"/>
+              </a:solidFill>
+            </a:endParaRPr>
+          </a:p>
+          <a:p>
+            <a:pPr>
+              <a:buFont typeface="Arial" pitchFamily="34" charset="0"/>
+              <a:buChar char="•"/>
+            </a:pPr>
+            <a:r>
+              <a:rPr lang="en-US" dirty="0" smtClean="0">
+                <a:solidFill>
+                  <a:prstClr val="black"/>
+                </a:solidFill>
+              </a:rPr>
+              <a:t>  local_test/predict.sh</a:t>
+            </a:r>
+          </a:p>
+          <a:p>
+            <a:pPr lvl="1">
+              <a:buFont typeface="Arial" pitchFamily="34" charset="0"/>
+              <a:buChar char="•"/>
+            </a:pPr>
+            <a:r>
+              <a:rPr lang="en-US" dirty="0">
+                <a:solidFill>
+                  <a:prstClr val="black"/>
+                </a:solidFill>
+              </a:rPr>
+              <a:t> </a:t>
+            </a:r>
+            <a:r>
+              <a:rPr lang="en-US" dirty="0" smtClean="0">
+                <a:solidFill>
+                  <a:prstClr val="black"/>
+                </a:solidFill>
+              </a:rPr>
+              <a:t> script to run prediction against your docker container running locally on port 8080</a:t>
+            </a:r>
+            <a:endParaRPr lang="en-US" dirty="0" smtClean="0">
+              <a:solidFill>
+                <a:prstClr val="black"/>
+              </a:solidFill>
+            </a:endParaRPr>
+          </a:p>
+          <a:p>
+            <a:pPr lvl="1"/>
+            <a:endParaRPr lang="en-US" dirty="0" smtClean="0">
+              <a:solidFill>
+                <a:prstClr val="black"/>
+              </a:solidFill>
+            </a:endParaRPr>
           </a:p>
         </p:txBody>
       </p:sp>
     </p:spTree>
     <p:extLst>
       <p:ext uri="{BB962C8B-B14F-4D97-AF65-F5344CB8AC3E}">
-        <p14:creationId xmlns:p14="http://schemas.microsoft.com/office/powerpoint/2010/main" val="1236400761"/>
+        <p14:creationId xmlns:p14="http://schemas.microsoft.com/office/powerpoint/2010/main" val="3879541063"/>
       </p:ext>
     </p:extLst>
   </p:cSld>

--- a/slides/AWS-Sagemaker-Planesnet-TFLearn-Bring-Your-Own-Container.pptx
+++ b/slides/AWS-Sagemaker-Planesnet-TFLearn-Bring-Your-Own-Container.pptx
@@ -5,10 +5,10 @@
     <p:sldMasterId id="2147483852" r:id="rId1"/>
   </p:sldMasterIdLst>
   <p:notesMasterIdLst>
-    <p:notesMasterId r:id="rId15"/>
+    <p:notesMasterId r:id="rId16"/>
   </p:notesMasterIdLst>
   <p:handoutMasterIdLst>
-    <p:handoutMasterId r:id="rId16"/>
+    <p:handoutMasterId r:id="rId17"/>
   </p:handoutMasterIdLst>
   <p:sldIdLst>
     <p:sldId id="256" r:id="rId2"/>
@@ -17,13 +17,14 @@
     <p:sldId id="269" r:id="rId5"/>
     <p:sldId id="274" r:id="rId6"/>
     <p:sldId id="273" r:id="rId7"/>
-    <p:sldId id="275" r:id="rId8"/>
-    <p:sldId id="272" r:id="rId9"/>
-    <p:sldId id="277" r:id="rId10"/>
-    <p:sldId id="276" r:id="rId11"/>
-    <p:sldId id="271" r:id="rId12"/>
-    <p:sldId id="268" r:id="rId13"/>
+    <p:sldId id="278" r:id="rId8"/>
+    <p:sldId id="275" r:id="rId9"/>
+    <p:sldId id="272" r:id="rId10"/>
+    <p:sldId id="277" r:id="rId11"/>
+    <p:sldId id="276" r:id="rId12"/>
+    <p:sldId id="271" r:id="rId13"/>
     <p:sldId id="265" r:id="rId14"/>
+    <p:sldId id="268" r:id="rId15"/>
   </p:sldIdLst>
   <p:sldSz cx="9144000" cy="6858000" type="screen4x3"/>
   <p:notesSz cx="6858000" cy="9144000"/>
@@ -757,7 +758,7 @@
             <a:fld id="{74DE7DC8-A302-4EFB-9208-987A80C71CE4}" type="slidenum">
               <a:rPr lang="en-US" smtClean="0"/>
               <a:pPr/>
-              <a:t>8</a:t>
+              <a:t>9</a:t>
             </a:fld>
             <a:endParaRPr lang="en-US" dirty="0"/>
           </a:p>
@@ -886,7 +887,7 @@
                 </a:solidFill>
               </a:rPr>
               <a:pPr/>
-              <a:t>9</a:t>
+              <a:t>10</a:t>
             </a:fld>
             <a:endParaRPr lang="en-US" dirty="0">
               <a:solidFill>
@@ -1019,7 +1020,7 @@
                 </a:solidFill>
               </a:rPr>
               <a:pPr/>
-              <a:t>10</a:t>
+              <a:t>11</a:t>
             </a:fld>
             <a:endParaRPr lang="en-US" dirty="0">
               <a:solidFill>
@@ -1148,7 +1149,7 @@
             <a:fld id="{74DE7DC8-A302-4EFB-9208-987A80C71CE4}" type="slidenum">
               <a:rPr lang="en-US" smtClean="0"/>
               <a:pPr/>
-              <a:t>11</a:t>
+              <a:t>12</a:t>
             </a:fld>
             <a:endParaRPr lang="en-US" dirty="0"/>
           </a:p>
@@ -4265,7 +4266,7 @@
           <a:p>
             <a:r>
               <a:rPr lang="en-US" dirty="0" smtClean="0"/>
-              <a:t>Quick Demo</a:t>
+              <a:t>Local Testing</a:t>
             </a:r>
             <a:endParaRPr lang="en-US" dirty="0"/>
           </a:p>
@@ -4280,7 +4281,7 @@
         <p:spPr>
           <a:xfrm>
             <a:off x="757367" y="1584186"/>
-            <a:ext cx="7515090" cy="1754326"/>
+            <a:ext cx="7515090" cy="3416320"/>
           </a:xfrm>
           <a:prstGeom prst="rect">
             <a:avLst/>
@@ -4298,48 +4299,6 @@
               <a:buChar char="•"/>
             </a:pPr>
             <a:r>
-              <a:rPr lang="en-US" dirty="0" smtClean="0">
-                <a:solidFill>
-                  <a:prstClr val="black"/>
-                </a:solidFill>
-              </a:rPr>
-              <a:t>  To save time the AWS SageMaker PlanesNet/TFLearn project has already been run and deployed using the AWS SageMaker Console and a Jupyter Notebook.</a:t>
-            </a:r>
-          </a:p>
-          <a:p>
-            <a:pPr>
-              <a:buFont typeface="Arial" pitchFamily="34" charset="0"/>
-              <a:buChar char="•"/>
-            </a:pPr>
-            <a:r>
-              <a:rPr lang="en-US" dirty="0" smtClean="0">
-                <a:solidFill>
-                  <a:prstClr val="black"/>
-                </a:solidFill>
-              </a:rPr>
-              <a:t>  We’ll:</a:t>
-            </a:r>
-          </a:p>
-          <a:p>
-            <a:pPr lvl="1">
-              <a:buFont typeface="Arial" pitchFamily="34" charset="0"/>
-              <a:buChar char="•"/>
-            </a:pPr>
-            <a:r>
-              <a:rPr lang="en-US" dirty="0" smtClean="0">
-                <a:solidFill>
-                  <a:prstClr val="black"/>
-                </a:solidFill>
-              </a:rPr>
-              <a:t>  Step through the Jupyter Notebook to show the process</a:t>
-            </a:r>
-          </a:p>
-          <a:p>
-            <a:pPr lvl="1">
-              <a:buFont typeface="Arial" pitchFamily="34" charset="0"/>
-              <a:buChar char="•"/>
-            </a:pPr>
-            <a:r>
               <a:rPr lang="en-US" dirty="0">
                 <a:solidFill>
                   <a:prstClr val="black"/>
@@ -4353,15 +4312,186 @@
                   <a:prstClr val="black"/>
                 </a:solidFill>
               </a:rPr>
-              <a:t> Display the output of the Predictor Model</a:t>
-            </a:r>
+              <a:t> local_test/input/data/training/</a:t>
+            </a:r>
+          </a:p>
+          <a:p>
+            <a:pPr lvl="1">
+              <a:buFont typeface="Arial" pitchFamily="34" charset="0"/>
+              <a:buChar char="•"/>
+            </a:pPr>
+            <a:r>
+              <a:rPr lang="en-US" dirty="0">
+                <a:solidFill>
+                  <a:prstClr val="black"/>
+                </a:solidFill>
+              </a:rPr>
+              <a:t> </a:t>
+            </a:r>
+            <a:r>
+              <a:rPr lang="en-US" dirty="0" smtClean="0">
+                <a:solidFill>
+                  <a:prstClr val="black"/>
+                </a:solidFill>
+              </a:rPr>
+              <a:t> location of your training data for local training</a:t>
+            </a:r>
+          </a:p>
+          <a:p>
+            <a:pPr lvl="1">
+              <a:buFont typeface="Arial" pitchFamily="34" charset="0"/>
+              <a:buChar char="•"/>
+            </a:pPr>
+            <a:endParaRPr lang="en-US" dirty="0">
+              <a:solidFill>
+                <a:prstClr val="black"/>
+              </a:solidFill>
+            </a:endParaRPr>
+          </a:p>
+          <a:p>
+            <a:pPr>
+              <a:buFont typeface="Arial" pitchFamily="34" charset="0"/>
+              <a:buChar char="•"/>
+            </a:pPr>
+            <a:r>
+              <a:rPr lang="en-US" dirty="0" smtClean="0">
+                <a:solidFill>
+                  <a:prstClr val="black"/>
+                </a:solidFill>
+              </a:rPr>
+              <a:t>  local_test/serve_local.sh</a:t>
+            </a:r>
+          </a:p>
+          <a:p>
+            <a:pPr lvl="1">
+              <a:buFont typeface="Arial" pitchFamily="34" charset="0"/>
+              <a:buChar char="•"/>
+            </a:pPr>
+            <a:r>
+              <a:rPr lang="en-US" dirty="0">
+                <a:solidFill>
+                  <a:prstClr val="black"/>
+                </a:solidFill>
+              </a:rPr>
+              <a:t> </a:t>
+            </a:r>
+            <a:r>
+              <a:rPr lang="en-US" dirty="0" smtClean="0">
+                <a:solidFill>
+                  <a:prstClr val="black"/>
+                </a:solidFill>
+              </a:rPr>
+              <a:t> script to run the Scoring Service locally on port 8080</a:t>
+            </a:r>
+          </a:p>
+          <a:p>
+            <a:pPr lvl="1">
+              <a:buFont typeface="Arial" pitchFamily="34" charset="0"/>
+              <a:buChar char="•"/>
+            </a:pPr>
+            <a:endParaRPr lang="en-US" dirty="0">
+              <a:solidFill>
+                <a:prstClr val="black"/>
+              </a:solidFill>
+            </a:endParaRPr>
+          </a:p>
+          <a:p>
+            <a:pPr>
+              <a:buFont typeface="Arial" pitchFamily="34" charset="0"/>
+              <a:buChar char="•"/>
+            </a:pPr>
+            <a:r>
+              <a:rPr lang="en-US" dirty="0" smtClean="0">
+                <a:solidFill>
+                  <a:prstClr val="black"/>
+                </a:solidFill>
+              </a:rPr>
+              <a:t>  local_test/train_local.sh</a:t>
+            </a:r>
+          </a:p>
+          <a:p>
+            <a:pPr lvl="1">
+              <a:buFont typeface="Arial" pitchFamily="34" charset="0"/>
+              <a:buChar char="•"/>
+            </a:pPr>
+            <a:r>
+              <a:rPr lang="en-US" dirty="0">
+                <a:solidFill>
+                  <a:prstClr val="black"/>
+                </a:solidFill>
+              </a:rPr>
+              <a:t> </a:t>
+            </a:r>
+            <a:r>
+              <a:rPr lang="en-US" dirty="0" smtClean="0">
+                <a:solidFill>
+                  <a:prstClr val="black"/>
+                </a:solidFill>
+              </a:rPr>
+              <a:t>script to run training locally on port 8080</a:t>
+            </a:r>
+          </a:p>
+          <a:p>
+            <a:pPr lvl="1">
+              <a:buFont typeface="Arial" pitchFamily="34" charset="0"/>
+              <a:buChar char="•"/>
+            </a:pPr>
+            <a:endParaRPr lang="en-US" dirty="0">
+              <a:solidFill>
+                <a:prstClr val="black"/>
+              </a:solidFill>
+            </a:endParaRPr>
+          </a:p>
+          <a:p>
+            <a:pPr>
+              <a:buFont typeface="Arial" pitchFamily="34" charset="0"/>
+              <a:buChar char="•"/>
+            </a:pPr>
+            <a:r>
+              <a:rPr lang="en-US" dirty="0" smtClean="0">
+                <a:solidFill>
+                  <a:prstClr val="black"/>
+                </a:solidFill>
+              </a:rPr>
+              <a:t>  local_test/predict.sh</a:t>
+            </a:r>
+          </a:p>
+          <a:p>
+            <a:pPr lvl="1">
+              <a:buFont typeface="Arial" pitchFamily="34" charset="0"/>
+              <a:buChar char="•"/>
+            </a:pPr>
+            <a:r>
+              <a:rPr lang="en-US" dirty="0">
+                <a:solidFill>
+                  <a:prstClr val="black"/>
+                </a:solidFill>
+              </a:rPr>
+              <a:t> </a:t>
+            </a:r>
+            <a:r>
+              <a:rPr lang="en-US" dirty="0" smtClean="0">
+                <a:solidFill>
+                  <a:prstClr val="black"/>
+                </a:solidFill>
+              </a:rPr>
+              <a:t> script to run prediction locally on port 8080</a:t>
+            </a:r>
+          </a:p>
+          <a:p>
+            <a:pPr lvl="1"/>
+            <a:endParaRPr lang="en-US" dirty="0" smtClean="0">
+              <a:solidFill>
+                <a:prstClr val="black"/>
+              </a:solidFill>
+            </a:endParaRPr>
           </a:p>
         </p:txBody>
       </p:sp>
     </p:spTree>
     <p:extLst>
       <p:ext uri="{BB962C8B-B14F-4D97-AF65-F5344CB8AC3E}">
-        <p14:creationId xmlns:p14="http://schemas.microsoft.com/office/powerpoint/2010/main" val="1780325179"/>
+        <p14:creationId xmlns:p14="http://schemas.microsoft.com/office/powerpoint/2010/main" val="3879541063"/>
       </p:ext>
     </p:extLst>
   </p:cSld>
@@ -4412,7 +4542,7 @@
           <a:p>
             <a:r>
               <a:rPr lang="en-US" dirty="0" smtClean="0"/>
-              <a:t>Conclusions</a:t>
+              <a:t>Quick Demo</a:t>
             </a:r>
             <a:endParaRPr lang="en-US" dirty="0"/>
           </a:p>
@@ -4427,7 +4557,7 @@
         <p:spPr>
           <a:xfrm>
             <a:off x="757367" y="1584186"/>
-            <a:ext cx="7515090" cy="2308324"/>
+            <a:ext cx="7515090" cy="1754326"/>
           </a:xfrm>
           <a:prstGeom prst="rect">
             <a:avLst/>
@@ -4445,8 +4575,26 @@
               <a:buChar char="•"/>
             </a:pPr>
             <a:r>
-              <a:rPr lang="en-US" dirty="0" smtClean="0"/>
-              <a:t>  Cons</a:t>
+              <a:rPr lang="en-US" dirty="0" smtClean="0">
+                <a:solidFill>
+                  <a:prstClr val="black"/>
+                </a:solidFill>
+              </a:rPr>
+              <a:t>  To save time the AWS SageMaker PlanesNet/TFLearn project has already been run and deployed using the AWS SageMaker Console and a Jupyter Notebook.</a:t>
+            </a:r>
+          </a:p>
+          <a:p>
+            <a:pPr>
+              <a:buFont typeface="Arial" pitchFamily="34" charset="0"/>
+              <a:buChar char="•"/>
+            </a:pPr>
+            <a:r>
+              <a:rPr lang="en-US" dirty="0" smtClean="0">
+                <a:solidFill>
+                  <a:prstClr val="black"/>
+                </a:solidFill>
+              </a:rPr>
+              <a:t>  We’ll:</a:t>
             </a:r>
           </a:p>
           <a:p>
@@ -4455,8 +4603,12 @@
               <a:buChar char="•"/>
             </a:pPr>
             <a:r>
-              <a:rPr lang="en-US" dirty="0" smtClean="0"/>
-              <a:t>  Creating a custom containers is time consuming but subsequent iterations are faster as you become more familiar with the process</a:t>
+              <a:rPr lang="en-US" dirty="0" smtClean="0">
+                <a:solidFill>
+                  <a:prstClr val="black"/>
+                </a:solidFill>
+              </a:rPr>
+              <a:t>  Step through the Jupyter Notebook to show the process</a:t>
             </a:r>
           </a:p>
           <a:p>
@@ -4465,50 +4617,20 @@
               <a:buChar char="•"/>
             </a:pPr>
             <a:r>
-              <a:rPr lang="en-US" dirty="0"/>
+              <a:rPr lang="en-US" dirty="0">
+                <a:solidFill>
+                  <a:prstClr val="black"/>
+                </a:solidFill>
+              </a:rPr>
               <a:t> </a:t>
             </a:r>
             <a:r>
-              <a:rPr lang="en-US" dirty="0" smtClean="0"/>
-              <a:t> Requires knowledge of AWS, Docker, ML Framework, Language SDK, etc.</a:t>
-            </a:r>
-          </a:p>
-          <a:p>
-            <a:pPr>
-              <a:buFont typeface="Arial" pitchFamily="34" charset="0"/>
-              <a:buChar char="•"/>
-            </a:pPr>
-            <a:r>
-              <a:rPr lang="en-US" dirty="0" smtClean="0"/>
-              <a:t>  Pros</a:t>
-            </a:r>
-          </a:p>
-          <a:p>
-            <a:pPr lvl="1">
-              <a:buFont typeface="Arial" pitchFamily="34" charset="0"/>
-              <a:buChar char="•"/>
-            </a:pPr>
-            <a:r>
-              <a:rPr lang="en-US" dirty="0"/>
-              <a:t> </a:t>
-            </a:r>
-            <a:r>
-              <a:rPr lang="en-US" dirty="0" smtClean="0"/>
-              <a:t> Managed Service</a:t>
-            </a:r>
-          </a:p>
-          <a:p>
-            <a:pPr lvl="1">
-              <a:buFont typeface="Arial" pitchFamily="34" charset="0"/>
-              <a:buChar char="•"/>
-            </a:pPr>
-            <a:r>
-              <a:rPr lang="en-US" dirty="0"/>
-              <a:t> </a:t>
-            </a:r>
-            <a:r>
-              <a:rPr lang="en-US" dirty="0" smtClean="0"/>
-              <a:t> On Demand</a:t>
+              <a:rPr lang="en-US" dirty="0" smtClean="0">
+                <a:solidFill>
+                  <a:prstClr val="black"/>
+                </a:solidFill>
+              </a:rPr>
+              <a:t> Display the output of the Predictor Model</a:t>
             </a:r>
           </a:p>
         </p:txBody>
@@ -4516,7 +4638,7 @@
     </p:spTree>
     <p:extLst>
       <p:ext uri="{BB962C8B-B14F-4D97-AF65-F5344CB8AC3E}">
-        <p14:creationId xmlns:p14="http://schemas.microsoft.com/office/powerpoint/2010/main" val="1236400761"/>
+        <p14:creationId xmlns:p14="http://schemas.microsoft.com/office/powerpoint/2010/main" val="1780325179"/>
       </p:ext>
     </p:extLst>
   </p:cSld>
@@ -4552,7 +4674,7 @@
       </p:grpSpPr>
       <p:sp>
         <p:nvSpPr>
-          <p:cNvPr id="2" name="Title 1"/>
+          <p:cNvPr id="3" name="Title 1"/>
           <p:cNvSpPr>
             <a:spLocks noGrp="1"/>
           </p:cNvSpPr>
@@ -4567,16 +4689,119 @@
           <a:p>
             <a:r>
               <a:rPr lang="en-US" dirty="0" smtClean="0"/>
-              <a:t>Questions?</a:t>
-            </a:r>
-            <a:endParaRPr lang="en-US" dirty="0"/>
+              <a:t>Conclusions</a:t>
+            </a:r>
+            <a:endParaRPr lang="en-US" dirty="0"/>
+          </a:p>
+        </p:txBody>
+      </p:sp>
+      <p:sp>
+        <p:nvSpPr>
+          <p:cNvPr id="5" name="TextBox 4"/>
+          <p:cNvSpPr txBox="1"/>
+          <p:nvPr/>
+        </p:nvSpPr>
+        <p:spPr>
+          <a:xfrm>
+            <a:off x="757367" y="1584186"/>
+            <a:ext cx="7515090" cy="2308324"/>
+          </a:xfrm>
+          <a:prstGeom prst="rect">
+            <a:avLst/>
+          </a:prstGeom>
+          <a:noFill/>
+        </p:spPr>
+        <p:txBody>
+          <a:bodyPr wrap="square" rtlCol="0">
+            <a:spAutoFit/>
+          </a:bodyPr>
+          <a:lstStyle/>
+          <a:p>
+            <a:pPr>
+              <a:buFont typeface="Arial" pitchFamily="34" charset="0"/>
+              <a:buChar char="•"/>
+            </a:pPr>
+            <a:r>
+              <a:rPr lang="en-US" dirty="0" smtClean="0"/>
+              <a:t>  Cons</a:t>
+            </a:r>
+          </a:p>
+          <a:p>
+            <a:pPr lvl="1">
+              <a:buFont typeface="Arial" pitchFamily="34" charset="0"/>
+              <a:buChar char="•"/>
+            </a:pPr>
+            <a:r>
+              <a:rPr lang="en-US" dirty="0" smtClean="0"/>
+              <a:t>  Creating </a:t>
+            </a:r>
+            <a:r>
+              <a:rPr lang="en-US" dirty="0" smtClean="0"/>
+              <a:t>custom </a:t>
+            </a:r>
+            <a:r>
+              <a:rPr lang="en-US" dirty="0" smtClean="0"/>
+              <a:t>containers is time consuming initially but subsequent iterations are faster as you become more familiar with the process</a:t>
+            </a:r>
+          </a:p>
+          <a:p>
+            <a:pPr lvl="1">
+              <a:buFont typeface="Arial" pitchFamily="34" charset="0"/>
+              <a:buChar char="•"/>
+            </a:pPr>
+            <a:r>
+              <a:rPr lang="en-US" dirty="0"/>
+              <a:t> </a:t>
+            </a:r>
+            <a:r>
+              <a:rPr lang="en-US" dirty="0" smtClean="0"/>
+              <a:t> Requires knowledge of AWS, Docker, ML Framework, Language SDK, etc.</a:t>
+            </a:r>
+          </a:p>
+          <a:p>
+            <a:pPr>
+              <a:buFont typeface="Arial" pitchFamily="34" charset="0"/>
+              <a:buChar char="•"/>
+            </a:pPr>
+            <a:r>
+              <a:rPr lang="en-US" dirty="0" smtClean="0"/>
+              <a:t>  Pros</a:t>
+            </a:r>
+          </a:p>
+          <a:p>
+            <a:pPr lvl="1">
+              <a:buFont typeface="Arial" pitchFamily="34" charset="0"/>
+              <a:buChar char="•"/>
+            </a:pPr>
+            <a:r>
+              <a:rPr lang="en-US" dirty="0"/>
+              <a:t> </a:t>
+            </a:r>
+            <a:r>
+              <a:rPr lang="en-US" dirty="0" smtClean="0"/>
+              <a:t> Managed Service</a:t>
+            </a:r>
+          </a:p>
+          <a:p>
+            <a:pPr lvl="1">
+              <a:buFont typeface="Arial" pitchFamily="34" charset="0"/>
+              <a:buChar char="•"/>
+            </a:pPr>
+            <a:r>
+              <a:rPr lang="en-US" dirty="0"/>
+              <a:t> </a:t>
+            </a:r>
+            <a:r>
+              <a:rPr lang="en-US" dirty="0" smtClean="0"/>
+              <a:t> On Demand</a:t>
+            </a:r>
           </a:p>
         </p:txBody>
       </p:sp>
     </p:spTree>
     <p:extLst>
       <p:ext uri="{BB962C8B-B14F-4D97-AF65-F5344CB8AC3E}">
-        <p14:creationId xmlns:p14="http://schemas.microsoft.com/office/powerpoint/2010/main" val="1733325867"/>
+        <p14:creationId xmlns:p14="http://schemas.microsoft.com/office/powerpoint/2010/main" val="1236400761"/>
       </p:ext>
     </p:extLst>
   </p:cSld>
@@ -4749,6 +4974,66 @@
         </p:txBody>
       </p:sp>
     </p:spTree>
+  </p:cSld>
+  <p:clrMapOvr>
+    <a:masterClrMapping/>
+  </p:clrMapOvr>
+  <p:timing>
+    <p:tnLst>
+      <p:par>
+        <p:cTn id="1" dur="indefinite" restart="never" nodeType="tmRoot"/>
+      </p:par>
+    </p:tnLst>
+  </p:timing>
+</p:sld>
+</file>
+
+<file path=ppt/slides/slide14.xml><?xml version="1.0" encoding="utf-8"?>
+<p:sld xmlns:a="http://schemas.openxmlformats.org/drawingml/2006/main" xmlns:r="http://schemas.openxmlformats.org/officeDocument/2006/relationships" xmlns:p="http://schemas.openxmlformats.org/presentationml/2006/main">
+  <p:cSld>
+    <p:spTree>
+      <p:nvGrpSpPr>
+        <p:cNvPr id="1" name=""/>
+        <p:cNvGrpSpPr/>
+        <p:nvPr/>
+      </p:nvGrpSpPr>
+      <p:grpSpPr>
+        <a:xfrm>
+          <a:off x="0" y="0"/>
+          <a:ext cx="0" cy="0"/>
+          <a:chOff x="0" y="0"/>
+          <a:chExt cx="0" cy="0"/>
+        </a:xfrm>
+      </p:grpSpPr>
+      <p:sp>
+        <p:nvSpPr>
+          <p:cNvPr id="2" name="Title 1"/>
+          <p:cNvSpPr>
+            <a:spLocks noGrp="1"/>
+          </p:cNvSpPr>
+          <p:nvPr>
+            <p:ph type="title"/>
+          </p:nvPr>
+        </p:nvSpPr>
+        <p:spPr/>
+        <p:txBody>
+          <a:bodyPr/>
+          <a:lstStyle/>
+          <a:p>
+            <a:r>
+              <a:rPr lang="en-US" dirty="0" smtClean="0"/>
+              <a:t>Questions?</a:t>
+            </a:r>
+            <a:endParaRPr lang="en-US" dirty="0"/>
+          </a:p>
+        </p:txBody>
+      </p:sp>
+    </p:spTree>
+    <p:extLst>
+      <p:ext uri="{BB962C8B-B14F-4D97-AF65-F5344CB8AC3E}">
+        <p14:creationId xmlns:p14="http://schemas.microsoft.com/office/powerpoint/2010/main" val="1733325867"/>
+      </p:ext>
+    </p:extLst>
   </p:cSld>
   <p:clrMapOvr>
     <a:masterClrMapping/>
@@ -5144,15 +5429,7 @@
             </a:pPr>
             <a:r>
               <a:rPr lang="en-US" dirty="0" smtClean="0"/>
-              <a:t>AWS SageMaker has a </a:t>
-            </a:r>
-            <a:r>
-              <a:rPr lang="en-US" dirty="0" smtClean="0"/>
-              <a:t>predefined project </a:t>
-            </a:r>
-            <a:r>
-              <a:rPr lang="en-US" dirty="0" smtClean="0"/>
-              <a:t>structure for creating your own container</a:t>
+              <a:t>AWS SageMaker has a predefined project structure and methods used for creating your own container</a:t>
             </a:r>
           </a:p>
           <a:p>
@@ -5182,23 +5459,7 @@
             </a:pPr>
             <a:r>
               <a:rPr lang="en-US" dirty="0" smtClean="0"/>
-              <a:t>Although it uses scikit as it’s ML Library it </a:t>
-            </a:r>
-            <a:r>
-              <a:rPr lang="en-US" dirty="0" smtClean="0"/>
-              <a:t>pretty easy </a:t>
-            </a:r>
-            <a:r>
-              <a:rPr lang="en-US" dirty="0" smtClean="0"/>
-              <a:t>to see </a:t>
-            </a:r>
-            <a:r>
-              <a:rPr lang="en-US" dirty="0" smtClean="0"/>
-              <a:t>upon inspection where </a:t>
-            </a:r>
-            <a:r>
-              <a:rPr lang="en-US" dirty="0" smtClean="0"/>
-              <a:t>you need to plugin your specific code and libraries</a:t>
+              <a:t>Although it uses scikit as it’s ML Library it pretty easy to see upon inspection where you need to plugin your specific code and libraries</a:t>
             </a:r>
           </a:p>
           <a:p>
@@ -5309,31 +5570,7 @@
                   <a:prstClr val="black"/>
                 </a:solidFill>
               </a:rPr>
-              <a:t>We used PlanesNet-Detector a </a:t>
-            </a:r>
-            <a:r>
-              <a:rPr lang="en-US" dirty="0" smtClean="0">
-                <a:solidFill>
-                  <a:prstClr val="black"/>
-                </a:solidFill>
-              </a:rPr>
-              <a:t>TFLearn/Python project </a:t>
-            </a:r>
-            <a:r>
-              <a:rPr lang="en-US" dirty="0" smtClean="0">
-                <a:solidFill>
-                  <a:prstClr val="black"/>
-                </a:solidFill>
-              </a:rPr>
-              <a:t>as </a:t>
-            </a:r>
-            <a:r>
-              <a:rPr lang="en-US" dirty="0" smtClean="0">
-                <a:solidFill>
-                  <a:prstClr val="black"/>
-                </a:solidFill>
-              </a:rPr>
-              <a:t>a starting point</a:t>
+              <a:t>We used PlanesNet-Detector a TFLearn/Python project for this example as a starting point</a:t>
             </a:r>
           </a:p>
           <a:p>
@@ -5572,6 +5809,202 @@
           <a:p>
             <a:r>
               <a:rPr lang="en-US" dirty="0" smtClean="0"/>
+              <a:t>Process</a:t>
+            </a:r>
+            <a:endParaRPr lang="en-US" dirty="0"/>
+          </a:p>
+        </p:txBody>
+      </p:sp>
+      <p:sp>
+        <p:nvSpPr>
+          <p:cNvPr id="2" name="TextBox 1"/>
+          <p:cNvSpPr txBox="1"/>
+          <p:nvPr/>
+        </p:nvSpPr>
+        <p:spPr>
+          <a:xfrm>
+            <a:off x="1064029" y="1886989"/>
+            <a:ext cx="6899564" cy="2862322"/>
+          </a:xfrm>
+          <a:prstGeom prst="rect">
+            <a:avLst/>
+          </a:prstGeom>
+          <a:noFill/>
+        </p:spPr>
+        <p:txBody>
+          <a:bodyPr wrap="square" rtlCol="0">
+            <a:spAutoFit/>
+          </a:bodyPr>
+          <a:lstStyle/>
+          <a:p>
+            <a:pPr marL="285750" indent="-285750">
+              <a:buFont typeface="Arial" pitchFamily="34" charset="0"/>
+              <a:buChar char="•"/>
+            </a:pPr>
+            <a:r>
+              <a:rPr lang="en-US" dirty="0" smtClean="0">
+                <a:solidFill>
+                  <a:prstClr val="black"/>
+                </a:solidFill>
+              </a:rPr>
+              <a:t>Build Locally and Test</a:t>
+            </a:r>
+          </a:p>
+          <a:p>
+            <a:pPr marL="742950" lvl="1" indent="-285750">
+              <a:buFont typeface="Arial" pitchFamily="34" charset="0"/>
+              <a:buChar char="•"/>
+            </a:pPr>
+            <a:r>
+              <a:rPr lang="en-US" dirty="0" smtClean="0">
+                <a:solidFill>
+                  <a:prstClr val="black"/>
+                </a:solidFill>
+              </a:rPr>
+              <a:t>AWS has provided a local_test directory in the project structure to support building and testing locally your docker container</a:t>
+            </a:r>
+          </a:p>
+          <a:p>
+            <a:pPr marL="742950" lvl="1" indent="-285750">
+              <a:buFont typeface="Arial" pitchFamily="34" charset="0"/>
+              <a:buChar char="•"/>
+            </a:pPr>
+            <a:r>
+              <a:rPr lang="en-US" dirty="0" smtClean="0">
+                <a:solidFill>
+                  <a:prstClr val="black"/>
+                </a:solidFill>
+              </a:rPr>
+              <a:t>If everything builds and runs locally, it’s relatively easy to port your container to SageMaker</a:t>
+            </a:r>
+          </a:p>
+          <a:p>
+            <a:pPr lvl="1"/>
+            <a:endParaRPr lang="en-US" dirty="0" smtClean="0">
+              <a:solidFill>
+                <a:prstClr val="black"/>
+              </a:solidFill>
+            </a:endParaRPr>
+          </a:p>
+          <a:p>
+            <a:pPr marL="285750" indent="-285750">
+              <a:buFont typeface="Arial" pitchFamily="34" charset="0"/>
+              <a:buChar char="•"/>
+            </a:pPr>
+            <a:r>
+              <a:rPr lang="en-US" dirty="0" smtClean="0">
+                <a:solidFill>
+                  <a:prstClr val="black"/>
+                </a:solidFill>
+              </a:rPr>
+              <a:t>Build Using AWS SageMaker Jupiter Notebook and Test</a:t>
+            </a:r>
+          </a:p>
+          <a:p>
+            <a:pPr marL="742950" lvl="1" indent="-285750">
+              <a:buFont typeface="Arial" pitchFamily="34" charset="0"/>
+              <a:buChar char="•"/>
+            </a:pPr>
+            <a:r>
+              <a:rPr lang="en-US" dirty="0" smtClean="0">
+                <a:solidFill>
+                  <a:prstClr val="black"/>
+                </a:solidFill>
+              </a:rPr>
+              <a:t>The </a:t>
+            </a:r>
+            <a:r>
+              <a:rPr lang="en-US" dirty="0" smtClean="0"/>
+              <a:t>“</a:t>
+            </a:r>
+            <a:r>
+              <a:rPr lang="en-US" dirty="0"/>
+              <a:t>scikit bring your own” reference project </a:t>
+            </a:r>
+            <a:r>
+              <a:rPr lang="en-US" dirty="0" smtClean="0"/>
+              <a:t>provides 90% of the code required for the Notebook. </a:t>
+            </a:r>
+            <a:endParaRPr lang="en-US" dirty="0" smtClean="0">
+              <a:solidFill>
+                <a:prstClr val="black"/>
+              </a:solidFill>
+            </a:endParaRPr>
+          </a:p>
+          <a:p>
+            <a:pPr marL="742950" lvl="1" indent="-285750">
+              <a:buFont typeface="Arial" pitchFamily="34" charset="0"/>
+              <a:buChar char="•"/>
+            </a:pPr>
+            <a:endParaRPr lang="en-US" dirty="0" smtClean="0">
+              <a:solidFill>
+                <a:prstClr val="black"/>
+              </a:solidFill>
+            </a:endParaRPr>
+          </a:p>
+        </p:txBody>
+      </p:sp>
+    </p:spTree>
+    <p:extLst>
+      <p:ext uri="{BB962C8B-B14F-4D97-AF65-F5344CB8AC3E}">
+        <p14:creationId xmlns:p14="http://schemas.microsoft.com/office/powerpoint/2010/main" val="963975472"/>
+      </p:ext>
+    </p:extLst>
+  </p:cSld>
+  <p:clrMapOvr>
+    <a:masterClrMapping/>
+  </p:clrMapOvr>
+  <p:timing>
+    <p:tnLst>
+      <p:par>
+        <p:cTn id="1" dur="indefinite" restart="never" nodeType="tmRoot"/>
+      </p:par>
+    </p:tnLst>
+  </p:timing>
+</p:sld>
+</file>
+
+<file path=ppt/slides/slide8.xml><?xml version="1.0" encoding="utf-8"?>
+<p:sld xmlns:a="http://schemas.openxmlformats.org/drawingml/2006/main" xmlns:r="http://schemas.openxmlformats.org/officeDocument/2006/relationships" xmlns:p="http://schemas.openxmlformats.org/presentationml/2006/main">
+  <p:cSld>
+    <p:spTree>
+      <p:nvGrpSpPr>
+        <p:cNvPr id="1" name=""/>
+        <p:cNvGrpSpPr/>
+        <p:nvPr/>
+      </p:nvGrpSpPr>
+      <p:grpSpPr>
+        <a:xfrm>
+          <a:off x="0" y="0"/>
+          <a:ext cx="0" cy="0"/>
+          <a:chOff x="0" y="0"/>
+          <a:chExt cx="0" cy="0"/>
+        </a:xfrm>
+      </p:grpSpPr>
+      <p:sp>
+        <p:nvSpPr>
+          <p:cNvPr id="3" name="Title 1"/>
+          <p:cNvSpPr>
+            <a:spLocks noGrp="1"/>
+          </p:cNvSpPr>
+          <p:nvPr>
+            <p:ph type="title"/>
+          </p:nvPr>
+        </p:nvSpPr>
+        <p:spPr>
+          <a:xfrm>
+            <a:off x="457200" y="274638"/>
+            <a:ext cx="8229600" cy="1143000"/>
+          </a:xfrm>
+        </p:spPr>
+        <p:txBody>
+          <a:bodyPr>
+            <a:normAutofit/>
+          </a:bodyPr>
+          <a:lstStyle/>
+          <a:p>
+            <a:r>
+              <a:rPr lang="en-US" dirty="0" smtClean="0"/>
               <a:t>Project Structure</a:t>
             </a:r>
             <a:endParaRPr lang="en-US" dirty="0"/>
@@ -5580,7 +6013,7 @@
       </p:sp>
       <p:pic>
         <p:nvPicPr>
-          <p:cNvPr id="1026" name="Picture 2" descr="C:\Users\kskalvar\Downloads\Capture.PNG"/>
+          <p:cNvPr id="1027" name="Picture 3" descr="C:\Users\kskalvar\Downloads\Capture2.png"/>
           <p:cNvPicPr>
             <a:picLocks noChangeAspect="1" noChangeArrowheads="1"/>
           </p:cNvPicPr>
@@ -5601,8 +6034,8 @@
         </p:blipFill>
         <p:spPr bwMode="auto">
           <a:xfrm>
-            <a:off x="1656827" y="1523125"/>
-            <a:ext cx="6106378" cy="4553586"/>
+            <a:off x="791047" y="1295666"/>
+            <a:ext cx="7561905" cy="4563267"/>
           </a:xfrm>
           <a:prstGeom prst="rect">
             <a:avLst/>
@@ -5639,245 +6072,6 @@
 </p:sld>
 </file>
 
-<file path=ppt/slides/slide8.xml><?xml version="1.0" encoding="utf-8"?>
-<p:sld xmlns:a="http://schemas.openxmlformats.org/drawingml/2006/main" xmlns:r="http://schemas.openxmlformats.org/officeDocument/2006/relationships" xmlns:p="http://schemas.openxmlformats.org/presentationml/2006/main">
-  <p:cSld>
-    <p:spTree>
-      <p:nvGrpSpPr>
-        <p:cNvPr id="1" name=""/>
-        <p:cNvGrpSpPr/>
-        <p:nvPr/>
-      </p:nvGrpSpPr>
-      <p:grpSpPr>
-        <a:xfrm>
-          <a:off x="0" y="0"/>
-          <a:ext cx="0" cy="0"/>
-          <a:chOff x="0" y="0"/>
-          <a:chExt cx="0" cy="0"/>
-        </a:xfrm>
-      </p:grpSpPr>
-      <p:sp>
-        <p:nvSpPr>
-          <p:cNvPr id="3" name="Title 1"/>
-          <p:cNvSpPr>
-            <a:spLocks noGrp="1"/>
-          </p:cNvSpPr>
-          <p:nvPr>
-            <p:ph type="title"/>
-          </p:nvPr>
-        </p:nvSpPr>
-        <p:spPr/>
-        <p:txBody>
-          <a:bodyPr/>
-          <a:lstStyle/>
-          <a:p>
-            <a:r>
-              <a:rPr lang="en-US" dirty="0" smtClean="0"/>
-              <a:t>Modifications</a:t>
-            </a:r>
-            <a:endParaRPr lang="en-US" dirty="0"/>
-          </a:p>
-        </p:txBody>
-      </p:sp>
-      <p:sp>
-        <p:nvSpPr>
-          <p:cNvPr id="5" name="TextBox 4"/>
-          <p:cNvSpPr txBox="1"/>
-          <p:nvPr/>
-        </p:nvSpPr>
-        <p:spPr>
-          <a:xfrm>
-            <a:off x="757367" y="1584186"/>
-            <a:ext cx="7515090" cy="4247317"/>
-          </a:xfrm>
-          <a:prstGeom prst="rect">
-            <a:avLst/>
-          </a:prstGeom>
-          <a:noFill/>
-        </p:spPr>
-        <p:txBody>
-          <a:bodyPr wrap="square" rtlCol="0">
-            <a:spAutoFit/>
-          </a:bodyPr>
-          <a:lstStyle/>
-          <a:p>
-            <a:pPr>
-              <a:buFont typeface="Arial" pitchFamily="34" charset="0"/>
-              <a:buChar char="•"/>
-            </a:pPr>
-            <a:r>
-              <a:rPr lang="en-US" dirty="0" smtClean="0"/>
-              <a:t>  </a:t>
-            </a:r>
-            <a:r>
-              <a:rPr lang="en-US" dirty="0" smtClean="0"/>
-              <a:t>container/decision_trees/model.py</a:t>
-            </a:r>
-          </a:p>
-          <a:p>
-            <a:pPr lvl="1">
-              <a:buFont typeface="Arial" pitchFamily="34" charset="0"/>
-              <a:buChar char="•"/>
-            </a:pPr>
-            <a:r>
-              <a:rPr lang="en-US" dirty="0"/>
-              <a:t> </a:t>
-            </a:r>
-            <a:r>
-              <a:rPr lang="en-US" dirty="0" smtClean="0"/>
-              <a:t> Your model code</a:t>
-            </a:r>
-          </a:p>
-          <a:p>
-            <a:pPr lvl="1"/>
-            <a:endParaRPr lang="en-US" dirty="0" smtClean="0"/>
-          </a:p>
-          <a:p>
-            <a:pPr>
-              <a:buFont typeface="Arial" pitchFamily="34" charset="0"/>
-              <a:buChar char="•"/>
-            </a:pPr>
-            <a:r>
-              <a:rPr lang="en-US" dirty="0"/>
-              <a:t> </a:t>
-            </a:r>
-            <a:r>
-              <a:rPr lang="en-US" dirty="0" smtClean="0"/>
-              <a:t> container/decision_trees/predictor.py</a:t>
-            </a:r>
-          </a:p>
-          <a:p>
-            <a:pPr lvl="1">
-              <a:buFont typeface="Arial" pitchFamily="34" charset="0"/>
-              <a:buChar char="•"/>
-            </a:pPr>
-            <a:r>
-              <a:rPr lang="en-US" dirty="0"/>
-              <a:t> </a:t>
-            </a:r>
-            <a:r>
-              <a:rPr lang="en-US" dirty="0" smtClean="0"/>
-              <a:t> Your prediction code</a:t>
-            </a:r>
-          </a:p>
-          <a:p>
-            <a:pPr lvl="1"/>
-            <a:endParaRPr lang="en-US" dirty="0" smtClean="0"/>
-          </a:p>
-          <a:p>
-            <a:pPr>
-              <a:buFont typeface="Arial" pitchFamily="34" charset="0"/>
-              <a:buChar char="•"/>
-            </a:pPr>
-            <a:r>
-              <a:rPr lang="en-US" dirty="0"/>
-              <a:t> </a:t>
-            </a:r>
-            <a:r>
-              <a:rPr lang="en-US" dirty="0" smtClean="0"/>
-              <a:t> container/decision trees/train</a:t>
-            </a:r>
-          </a:p>
-          <a:p>
-            <a:pPr lvl="1">
-              <a:buFont typeface="Arial" pitchFamily="34" charset="0"/>
-              <a:buChar char="•"/>
-            </a:pPr>
-            <a:r>
-              <a:rPr lang="en-US" dirty="0" smtClean="0"/>
-              <a:t>  Your training code</a:t>
-            </a:r>
-          </a:p>
-          <a:p>
-            <a:pPr lvl="1"/>
-            <a:endParaRPr lang="en-US" dirty="0"/>
-          </a:p>
-          <a:p>
-            <a:pPr>
-              <a:buFont typeface="Arial" pitchFamily="34" charset="0"/>
-              <a:buChar char="•"/>
-            </a:pPr>
-            <a:r>
-              <a:rPr lang="en-US" dirty="0" smtClean="0"/>
-              <a:t>  container/Dockerfile</a:t>
-            </a:r>
-          </a:p>
-          <a:p>
-            <a:pPr lvl="1">
-              <a:buFont typeface="Arial" pitchFamily="34" charset="0"/>
-              <a:buChar char="•"/>
-            </a:pPr>
-            <a:r>
-              <a:rPr lang="en-US" dirty="0"/>
-              <a:t> </a:t>
-            </a:r>
-            <a:r>
-              <a:rPr lang="en-US" dirty="0" smtClean="0"/>
-              <a:t> To support your ML Library and other libraries required by your code</a:t>
-            </a:r>
-          </a:p>
-          <a:p>
-            <a:pPr lvl="1"/>
-            <a:endParaRPr lang="en-US" dirty="0" smtClean="0"/>
-          </a:p>
-          <a:p>
-            <a:pPr>
-              <a:buFont typeface="Arial" pitchFamily="34" charset="0"/>
-              <a:buChar char="•"/>
-            </a:pPr>
-            <a:r>
-              <a:rPr lang="en-US" dirty="0"/>
-              <a:t> </a:t>
-            </a:r>
-            <a:r>
-              <a:rPr lang="en-US" dirty="0" smtClean="0"/>
-              <a:t> *.ipynb Jupyter Notebook</a:t>
-            </a:r>
-          </a:p>
-          <a:p>
-            <a:pPr lvl="1">
-              <a:buFont typeface="Arial" pitchFamily="34" charset="0"/>
-              <a:buChar char="•"/>
-            </a:pPr>
-            <a:r>
-              <a:rPr lang="en-US" dirty="0"/>
-              <a:t> </a:t>
-            </a:r>
-            <a:r>
-              <a:rPr lang="en-US" dirty="0" smtClean="0"/>
-              <a:t> Your detection code</a:t>
-            </a:r>
-            <a:endParaRPr lang="en-US" dirty="0"/>
-          </a:p>
-          <a:p>
-            <a:pPr>
-              <a:buFont typeface="Arial" pitchFamily="34" charset="0"/>
-              <a:buChar char="•"/>
-            </a:pPr>
-            <a:endParaRPr lang="en-US" dirty="0" smtClean="0"/>
-          </a:p>
-        </p:txBody>
-      </p:sp>
-    </p:spTree>
-    <p:extLst>
-      <p:ext uri="{BB962C8B-B14F-4D97-AF65-F5344CB8AC3E}">
-        <p14:creationId xmlns:p14="http://schemas.microsoft.com/office/powerpoint/2010/main" val="2159253671"/>
-      </p:ext>
-    </p:extLst>
-  </p:cSld>
-  <p:clrMapOvr>
-    <a:masterClrMapping/>
-  </p:clrMapOvr>
-  <p:timing>
-    <p:tnLst>
-      <p:par>
-        <p:cTn id="1" dur="indefinite" restart="never" nodeType="tmRoot"/>
-      </p:par>
-    </p:tnLst>
-  </p:timing>
-</p:sld>
-</file>
-
 <file path=ppt/slides/slide9.xml><?xml version="1.0" encoding="utf-8"?>
 <p:sld xmlns:a="http://schemas.openxmlformats.org/drawingml/2006/main" xmlns:r="http://schemas.openxmlformats.org/officeDocument/2006/relationships" xmlns:p="http://schemas.openxmlformats.org/presentationml/2006/main">
   <p:cSld>
@@ -5912,7 +6106,7 @@
           <a:p>
             <a:r>
               <a:rPr lang="en-US" dirty="0" smtClean="0"/>
-              <a:t>Modifications</a:t>
+              <a:t>Container Modifications</a:t>
             </a:r>
             <a:endParaRPr lang="en-US" dirty="0"/>
           </a:p>
@@ -5927,7 +6121,7 @@
         <p:spPr>
           <a:xfrm>
             <a:off x="757367" y="1584186"/>
-            <a:ext cx="7515090" cy="4247317"/>
+            <a:ext cx="7515090" cy="4524315"/>
           </a:xfrm>
           <a:prstGeom prst="rect">
             <a:avLst/>
@@ -5945,20 +6139,8 @@
               <a:buChar char="•"/>
             </a:pPr>
             <a:r>
-              <a:rPr lang="en-US" dirty="0">
-                <a:solidFill>
-                  <a:prstClr val="black"/>
-                </a:solidFill>
-              </a:rPr>
-              <a:t> </a:t>
-            </a:r>
-            <a:r>
-              <a:rPr lang="en-US" dirty="0" smtClean="0">
-                <a:solidFill>
-                  <a:prstClr val="black"/>
-                </a:solidFill>
-              </a:rPr>
-              <a:t> local_test/input/data/training/</a:t>
+              <a:rPr lang="en-US" dirty="0" smtClean="0"/>
+              <a:t>  container/decision_trees/model.py</a:t>
             </a:r>
           </a:p>
           <a:p>
@@ -5967,20 +6149,30 @@
               <a:buChar char="•"/>
             </a:pPr>
             <a:r>
-              <a:rPr lang="en-US" dirty="0">
-                <a:solidFill>
-                  <a:prstClr val="black"/>
-                </a:solidFill>
-              </a:rPr>
+              <a:rPr lang="en-US" dirty="0"/>
               <a:t> </a:t>
             </a:r>
             <a:r>
-              <a:rPr lang="en-US" dirty="0" smtClean="0">
-                <a:solidFill>
-                  <a:prstClr val="black"/>
-                </a:solidFill>
-              </a:rPr>
-              <a:t> location of your training data for use against your docker container running locally on port 8080</a:t>
+              <a:rPr lang="en-US" dirty="0" smtClean="0"/>
+              <a:t> Your model code</a:t>
+            </a:r>
+          </a:p>
+          <a:p>
+            <a:pPr lvl="1"/>
+            <a:endParaRPr lang="en-US" dirty="0" smtClean="0"/>
+          </a:p>
+          <a:p>
+            <a:pPr>
+              <a:buFont typeface="Arial" pitchFamily="34" charset="0"/>
+              <a:buChar char="•"/>
+            </a:pPr>
+            <a:r>
+              <a:rPr lang="en-US" dirty="0"/>
+              <a:t> </a:t>
+            </a:r>
+            <a:r>
+              <a:rPr lang="en-US" dirty="0" smtClean="0"/>
+              <a:t> container/decision_trees/predictor.py</a:t>
             </a:r>
           </a:p>
           <a:p>
@@ -5988,11 +6180,18 @@
               <a:buFont typeface="Arial" pitchFamily="34" charset="0"/>
               <a:buChar char="•"/>
             </a:pPr>
-            <a:endParaRPr lang="en-US" dirty="0">
-              <a:solidFill>
-                <a:prstClr val="black"/>
-              </a:solidFill>
-            </a:endParaRPr>
+            <a:r>
+              <a:rPr lang="en-US" dirty="0"/>
+              <a:t> </a:t>
+            </a:r>
+            <a:r>
+              <a:rPr lang="en-US" dirty="0" smtClean="0"/>
+              <a:t> Your prediction code</a:t>
+            </a:r>
+          </a:p>
+          <a:p>
+            <a:pPr lvl="1"/>
+            <a:endParaRPr lang="en-US" dirty="0" smtClean="0"/>
           </a:p>
           <a:p>
             <a:pPr>
@@ -6000,12 +6199,12 @@
               <a:buChar char="•"/>
             </a:pPr>
             <a:r>
-              <a:rPr lang="en-US" dirty="0" smtClean="0">
-                <a:solidFill>
-                  <a:prstClr val="black"/>
-                </a:solidFill>
-              </a:rPr>
-              <a:t>  local_test/serve_local.sh</a:t>
+              <a:rPr lang="en-US" dirty="0"/>
+              <a:t> </a:t>
+            </a:r>
+            <a:r>
+              <a:rPr lang="en-US" dirty="0" smtClean="0"/>
+              <a:t> container/decision trees/train</a:t>
             </a:r>
           </a:p>
           <a:p>
@@ -6014,20 +6213,22 @@
               <a:buChar char="•"/>
             </a:pPr>
             <a:r>
-              <a:rPr lang="en-US" dirty="0">
-                <a:solidFill>
-                  <a:prstClr val="black"/>
-                </a:solidFill>
-              </a:rPr>
-              <a:t> </a:t>
-            </a:r>
-            <a:r>
-              <a:rPr lang="en-US" dirty="0" smtClean="0">
-                <a:solidFill>
-                  <a:prstClr val="black"/>
-                </a:solidFill>
-              </a:rPr>
-              <a:t> script to run docker container running locally on port 8080</a:t>
+              <a:rPr lang="en-US" dirty="0" smtClean="0"/>
+              <a:t>  Your training code</a:t>
+            </a:r>
+          </a:p>
+          <a:p>
+            <a:pPr lvl="1"/>
+            <a:endParaRPr lang="en-US" dirty="0"/>
+          </a:p>
+          <a:p>
+            <a:pPr>
+              <a:buFont typeface="Arial" pitchFamily="34" charset="0"/>
+              <a:buChar char="•"/>
+            </a:pPr>
+            <a:r>
+              <a:rPr lang="en-US" dirty="0" smtClean="0"/>
+              <a:t>  container/Dockerfile</a:t>
             </a:r>
           </a:p>
           <a:p>
@@ -6035,11 +6236,18 @@
               <a:buFont typeface="Arial" pitchFamily="34" charset="0"/>
               <a:buChar char="•"/>
             </a:pPr>
-            <a:endParaRPr lang="en-US" dirty="0">
-              <a:solidFill>
-                <a:prstClr val="black"/>
-              </a:solidFill>
-            </a:endParaRPr>
+            <a:r>
+              <a:rPr lang="en-US" dirty="0"/>
+              <a:t> </a:t>
+            </a:r>
+            <a:r>
+              <a:rPr lang="en-US" dirty="0" smtClean="0"/>
+              <a:t> Container to support your ML Library and other libraries required by your code</a:t>
+            </a:r>
+          </a:p>
+          <a:p>
+            <a:pPr lvl="1"/>
+            <a:endParaRPr lang="en-US" dirty="0" smtClean="0"/>
           </a:p>
           <a:p>
             <a:pPr>
@@ -6047,12 +6255,12 @@
               <a:buChar char="•"/>
             </a:pPr>
             <a:r>
-              <a:rPr lang="en-US" dirty="0" smtClean="0">
-                <a:solidFill>
-                  <a:prstClr val="black"/>
-                </a:solidFill>
-              </a:rPr>
-              <a:t>  local_test/train_local.sh</a:t>
+              <a:rPr lang="en-US" dirty="0"/>
+              <a:t> </a:t>
+            </a:r>
+            <a:r>
+              <a:rPr lang="en-US" dirty="0" smtClean="0"/>
+              <a:t> *.ipynb Jupyter Notebook</a:t>
             </a:r>
           </a:p>
           <a:p>
@@ -6061,88 +6269,28 @@
               <a:buChar char="•"/>
             </a:pPr>
             <a:r>
-              <a:rPr lang="en-US" dirty="0">
-                <a:solidFill>
-                  <a:prstClr val="black"/>
-                </a:solidFill>
-              </a:rPr>
+              <a:rPr lang="en-US" dirty="0"/>
               <a:t> </a:t>
             </a:r>
             <a:r>
-              <a:rPr lang="en-US" dirty="0" smtClean="0">
-                <a:solidFill>
-                  <a:prstClr val="black"/>
-                </a:solidFill>
-              </a:rPr>
-              <a:t>script to run training against your docker container running locally on port 8080</a:t>
-            </a:r>
-          </a:p>
-          <a:p>
-            <a:pPr lvl="1">
-              <a:buFont typeface="Arial" pitchFamily="34" charset="0"/>
-              <a:buChar char="•"/>
-            </a:pPr>
-            <a:endParaRPr lang="en-US" dirty="0">
-              <a:solidFill>
-                <a:prstClr val="black"/>
-              </a:solidFill>
-            </a:endParaRPr>
+              <a:rPr lang="en-US" dirty="0" smtClean="0"/>
+              <a:t> Your detection code</a:t>
+            </a:r>
+            <a:endParaRPr lang="en-US" dirty="0"/>
           </a:p>
           <a:p>
             <a:pPr>
               <a:buFont typeface="Arial" pitchFamily="34" charset="0"/>
               <a:buChar char="•"/>
             </a:pPr>
-            <a:r>
-              <a:rPr lang="en-US" dirty="0" smtClean="0">
-                <a:solidFill>
-                  <a:prstClr val="black"/>
-                </a:solidFill>
-              </a:rPr>
-              <a:t>  local_test/predict.sh</a:t>
-            </a:r>
-          </a:p>
-          <a:p>
-            <a:pPr lvl="1">
-              <a:buFont typeface="Arial" pitchFamily="34" charset="0"/>
-              <a:buChar char="•"/>
-            </a:pPr>
-            <a:r>
-              <a:rPr lang="en-US" dirty="0">
-                <a:solidFill>
-                  <a:prstClr val="black"/>
-                </a:solidFill>
-              </a:rPr>
-              <a:t> </a:t>
-            </a:r>
-            <a:r>
-              <a:rPr lang="en-US" dirty="0" smtClean="0">
-                <a:solidFill>
-                  <a:prstClr val="black"/>
-                </a:solidFill>
-              </a:rPr>
-              <a:t> script to run prediction against your docker container running locally on port 8080</a:t>
-            </a:r>
-            <a:endParaRPr lang="en-US" dirty="0" smtClean="0">
-              <a:solidFill>
-                <a:prstClr val="black"/>
-              </a:solidFill>
-            </a:endParaRPr>
-          </a:p>
-          <a:p>
-            <a:pPr lvl="1"/>
-            <a:endParaRPr lang="en-US" dirty="0" smtClean="0">
-              <a:solidFill>
-                <a:prstClr val="black"/>
-              </a:solidFill>
-            </a:endParaRPr>
+            <a:endParaRPr lang="en-US" dirty="0" smtClean="0"/>
           </a:p>
         </p:txBody>
       </p:sp>
     </p:spTree>
     <p:extLst>
       <p:ext uri="{BB962C8B-B14F-4D97-AF65-F5344CB8AC3E}">
-        <p14:creationId xmlns:p14="http://schemas.microsoft.com/office/powerpoint/2010/main" val="3879541063"/>
+        <p14:creationId xmlns:p14="http://schemas.microsoft.com/office/powerpoint/2010/main" val="2159253671"/>
       </p:ext>
     </p:extLst>
   </p:cSld>

--- a/slides/AWS-Sagemaker-Planesnet-TFLearn-Bring-Your-Own-Container.pptx
+++ b/slides/AWS-Sagemaker-Planesnet-TFLearn-Bring-Your-Own-Container.pptx
@@ -5,10 +5,10 @@
     <p:sldMasterId id="2147483852" r:id="rId1"/>
   </p:sldMasterIdLst>
   <p:notesMasterIdLst>
-    <p:notesMasterId r:id="rId16"/>
+    <p:notesMasterId r:id="rId17"/>
   </p:notesMasterIdLst>
   <p:handoutMasterIdLst>
-    <p:handoutMasterId r:id="rId17"/>
+    <p:handoutMasterId r:id="rId18"/>
   </p:handoutMasterIdLst>
   <p:sldIdLst>
     <p:sldId id="256" r:id="rId2"/>
@@ -21,10 +21,11 @@
     <p:sldId id="275" r:id="rId9"/>
     <p:sldId id="272" r:id="rId10"/>
     <p:sldId id="277" r:id="rId11"/>
-    <p:sldId id="276" r:id="rId12"/>
-    <p:sldId id="271" r:id="rId13"/>
-    <p:sldId id="265" r:id="rId14"/>
-    <p:sldId id="268" r:id="rId15"/>
+    <p:sldId id="279" r:id="rId12"/>
+    <p:sldId id="276" r:id="rId13"/>
+    <p:sldId id="271" r:id="rId14"/>
+    <p:sldId id="265" r:id="rId15"/>
+    <p:sldId id="268" r:id="rId16"/>
   </p:sldIdLst>
   <p:sldSz cx="9144000" cy="6858000" type="screen4x3"/>
   <p:notesSz cx="6858000" cy="9144000"/>
@@ -209,7 +210,7 @@
             <a:fld id="{814910AB-AEF0-414C-82CB-791080B1186B}" type="datetimeFigureOut">
               <a:rPr lang="en-US" smtClean="0"/>
               <a:pPr/>
-              <a:t>8/29/2018</a:t>
+              <a:t>8/30/2018</a:t>
             </a:fld>
             <a:endParaRPr lang="en-US" dirty="0"/>
           </a:p>
@@ -376,7 +377,7 @@
             <a:fld id="{5B4AE38D-E020-46F3-803D-8636C5B7B74E}" type="datetimeFigureOut">
               <a:rPr lang="en-US" smtClean="0"/>
               <a:pPr/>
-              <a:t>8/29/2018</a:t>
+              <a:t>8/30/2018</a:t>
             </a:fld>
             <a:endParaRPr lang="en-US" dirty="0"/>
           </a:p>
@@ -688,54 +689,9 @@
         </p:nvSpPr>
         <p:spPr/>
         <p:txBody>
-          <a:bodyPr>
-            <a:normAutofit/>
-          </a:bodyPr>
-          <a:lstStyle/>
-          <a:p>
-            <a:pPr marL="228600" indent="-228600">
-              <a:buAutoNum type="arabicPeriod"/>
-            </a:pPr>
-            <a:r>
-              <a:rPr lang="en-US" dirty="0" smtClean="0"/>
-              <a:t>Send a simple text message</a:t>
-            </a:r>
-          </a:p>
-          <a:p>
-            <a:pPr marL="228600" indent="-228600">
-              <a:buAutoNum type="arabicPeriod" startAt="2"/>
-            </a:pPr>
-            <a:r>
-              <a:rPr lang="en-US" dirty="0" smtClean="0"/>
-              <a:t>Use representative website</a:t>
-            </a:r>
-          </a:p>
-          <a:p>
-            <a:pPr marL="228600" indent="-228600">
-              <a:buAutoNum type="arabicPeriod" startAt="2"/>
-            </a:pPr>
-            <a:r>
-              <a:rPr lang="en-US" dirty="0" smtClean="0"/>
-              <a:t>Use</a:t>
-            </a:r>
-            <a:r>
-              <a:rPr lang="en-US" baseline="0" dirty="0" smtClean="0"/>
-              <a:t> </a:t>
-            </a:r>
-            <a:r>
-              <a:rPr lang="en-US" dirty="0" smtClean="0"/>
-              <a:t>phone dialer</a:t>
-            </a:r>
-            <a:endParaRPr lang="en-US" baseline="0" dirty="0" smtClean="0"/>
-          </a:p>
-          <a:p>
-            <a:pPr marL="228600" indent="-228600">
-              <a:buAutoNum type="arabicPeriod" startAt="2"/>
-            </a:pPr>
-            <a:r>
-              <a:rPr lang="en-US" baseline="0" dirty="0" smtClean="0"/>
-              <a:t>Use web browser</a:t>
-            </a:r>
+          <a:bodyPr/>
+          <a:lstStyle/>
+          <a:p>
             <a:endParaRPr lang="en-US" dirty="0"/>
           </a:p>
         </p:txBody>
@@ -758,13 +714,18 @@
             <a:fld id="{74DE7DC8-A302-4EFB-9208-987A80C71CE4}" type="slidenum">
               <a:rPr lang="en-US" smtClean="0"/>
               <a:pPr/>
-              <a:t>9</a:t>
+              <a:t>1</a:t>
             </a:fld>
             <a:endParaRPr lang="en-US" dirty="0"/>
           </a:p>
         </p:txBody>
       </p:sp>
     </p:spTree>
+    <p:extLst>
+      <p:ext uri="{BB962C8B-B14F-4D97-AF65-F5344CB8AC3E}">
+        <p14:creationId xmlns:p14="http://schemas.microsoft.com/office/powerpoint/2010/main" val="1545659249"/>
+      </p:ext>
+    </p:extLst>
   </p:cSld>
   <p:clrMapOvr>
     <a:masterClrMapping/>
@@ -818,49 +779,9 @@
           </a:bodyPr>
           <a:lstStyle/>
           <a:p>
-            <a:pPr marL="228600" indent="-228600">
-              <a:buAutoNum type="arabicPeriod"/>
+            <a:pPr marL="0" indent="0">
+              <a:buNone/>
             </a:pPr>
-            <a:r>
-              <a:rPr lang="en-US" dirty="0" smtClean="0"/>
-              <a:t>Send a simple text message</a:t>
-            </a:r>
-          </a:p>
-          <a:p>
-            <a:pPr marL="228600" indent="-228600">
-              <a:buAutoNum type="arabicPeriod" startAt="2"/>
-            </a:pPr>
-            <a:r>
-              <a:rPr lang="en-US" dirty="0" smtClean="0"/>
-              <a:t>Use representative website</a:t>
-            </a:r>
-          </a:p>
-          <a:p>
-            <a:pPr marL="228600" indent="-228600">
-              <a:buAutoNum type="arabicPeriod" startAt="2"/>
-            </a:pPr>
-            <a:r>
-              <a:rPr lang="en-US" dirty="0" smtClean="0"/>
-              <a:t>Use</a:t>
-            </a:r>
-            <a:r>
-              <a:rPr lang="en-US" baseline="0" dirty="0" smtClean="0"/>
-              <a:t> </a:t>
-            </a:r>
-            <a:r>
-              <a:rPr lang="en-US" dirty="0" smtClean="0"/>
-              <a:t>phone dialer</a:t>
-            </a:r>
-            <a:endParaRPr lang="en-US" baseline="0" dirty="0" smtClean="0"/>
-          </a:p>
-          <a:p>
-            <a:pPr marL="228600" indent="-228600">
-              <a:buAutoNum type="arabicPeriod" startAt="2"/>
-            </a:pPr>
-            <a:r>
-              <a:rPr lang="en-US" baseline="0" dirty="0" smtClean="0"/>
-              <a:t>Use web browser</a:t>
-            </a:r>
             <a:endParaRPr lang="en-US" dirty="0"/>
           </a:p>
         </p:txBody>
@@ -881,19 +802,11 @@
           <a:lstStyle/>
           <a:p>
             <a:fld id="{74DE7DC8-A302-4EFB-9208-987A80C71CE4}" type="slidenum">
-              <a:rPr lang="en-US" smtClean="0">
-                <a:solidFill>
-                  <a:prstClr val="black"/>
-                </a:solidFill>
-              </a:rPr>
+              <a:rPr lang="en-US" smtClean="0"/>
               <a:pPr/>
-              <a:t>10</a:t>
+              <a:t>9</a:t>
             </a:fld>
-            <a:endParaRPr lang="en-US" dirty="0">
-              <a:solidFill>
-                <a:prstClr val="black"/>
-              </a:solidFill>
-            </a:endParaRPr>
+            <a:endParaRPr lang="en-US" dirty="0"/>
           </a:p>
         </p:txBody>
       </p:sp>
@@ -951,49 +864,9 @@
           </a:bodyPr>
           <a:lstStyle/>
           <a:p>
-            <a:pPr marL="228600" indent="-228600">
-              <a:buAutoNum type="arabicPeriod"/>
+            <a:pPr marL="0" indent="0">
+              <a:buNone/>
             </a:pPr>
-            <a:r>
-              <a:rPr lang="en-US" dirty="0" smtClean="0"/>
-              <a:t>Send a simple text message</a:t>
-            </a:r>
-          </a:p>
-          <a:p>
-            <a:pPr marL="228600" indent="-228600">
-              <a:buAutoNum type="arabicPeriod" startAt="2"/>
-            </a:pPr>
-            <a:r>
-              <a:rPr lang="en-US" dirty="0" smtClean="0"/>
-              <a:t>Use representative website</a:t>
-            </a:r>
-          </a:p>
-          <a:p>
-            <a:pPr marL="228600" indent="-228600">
-              <a:buAutoNum type="arabicPeriod" startAt="2"/>
-            </a:pPr>
-            <a:r>
-              <a:rPr lang="en-US" dirty="0" smtClean="0"/>
-              <a:t>Use</a:t>
-            </a:r>
-            <a:r>
-              <a:rPr lang="en-US" baseline="0" dirty="0" smtClean="0"/>
-              <a:t> </a:t>
-            </a:r>
-            <a:r>
-              <a:rPr lang="en-US" dirty="0" smtClean="0"/>
-              <a:t>phone dialer</a:t>
-            </a:r>
-            <a:endParaRPr lang="en-US" baseline="0" dirty="0" smtClean="0"/>
-          </a:p>
-          <a:p>
-            <a:pPr marL="228600" indent="-228600">
-              <a:buAutoNum type="arabicPeriod" startAt="2"/>
-            </a:pPr>
-            <a:r>
-              <a:rPr lang="en-US" baseline="0" dirty="0" smtClean="0"/>
-              <a:t>Use web browser</a:t>
-            </a:r>
             <a:endParaRPr lang="en-US" dirty="0"/>
           </a:p>
         </p:txBody>
@@ -1020,7 +893,7 @@
                 </a:solidFill>
               </a:rPr>
               <a:pPr/>
-              <a:t>11</a:t>
+              <a:t>10</a:t>
             </a:fld>
             <a:endParaRPr lang="en-US" dirty="0">
               <a:solidFill>
@@ -1084,49 +957,102 @@
           </a:bodyPr>
           <a:lstStyle/>
           <a:p>
-            <a:pPr marL="228600" indent="-228600">
-              <a:buAutoNum type="arabicPeriod"/>
+            <a:pPr marL="0" indent="0">
+              <a:buNone/>
             </a:pPr>
-            <a:r>
-              <a:rPr lang="en-US" dirty="0" smtClean="0"/>
-              <a:t>Send a simple text message</a:t>
-            </a:r>
-          </a:p>
-          <a:p>
-            <a:pPr marL="228600" indent="-228600">
-              <a:buAutoNum type="arabicPeriod" startAt="2"/>
+            <a:endParaRPr lang="en-US" dirty="0"/>
+          </a:p>
+        </p:txBody>
+      </p:sp>
+      <p:sp>
+        <p:nvSpPr>
+          <p:cNvPr id="4" name="Slide Number Placeholder 3"/>
+          <p:cNvSpPr>
+            <a:spLocks noGrp="1"/>
+          </p:cNvSpPr>
+          <p:nvPr>
+            <p:ph type="sldNum" sz="quarter" idx="10"/>
+          </p:nvPr>
+        </p:nvSpPr>
+        <p:spPr/>
+        <p:txBody>
+          <a:bodyPr/>
+          <a:lstStyle/>
+          <a:p>
+            <a:fld id="{74DE7DC8-A302-4EFB-9208-987A80C71CE4}" type="slidenum">
+              <a:rPr lang="en-US" smtClean="0">
+                <a:solidFill>
+                  <a:prstClr val="black"/>
+                </a:solidFill>
+              </a:rPr>
+              <a:pPr/>
+              <a:t>11</a:t>
+            </a:fld>
+            <a:endParaRPr lang="en-US" dirty="0">
+              <a:solidFill>
+                <a:prstClr val="black"/>
+              </a:solidFill>
+            </a:endParaRPr>
+          </a:p>
+        </p:txBody>
+      </p:sp>
+    </p:spTree>
+  </p:cSld>
+  <p:clrMapOvr>
+    <a:masterClrMapping/>
+  </p:clrMapOvr>
+</p:notes>
+</file>
+
+<file path=ppt/notesSlides/notesSlide5.xml><?xml version="1.0" encoding="utf-8"?>
+<p:notes xmlns:a="http://schemas.openxmlformats.org/drawingml/2006/main" xmlns:r="http://schemas.openxmlformats.org/officeDocument/2006/relationships" xmlns:p="http://schemas.openxmlformats.org/presentationml/2006/main">
+  <p:cSld>
+    <p:spTree>
+      <p:nvGrpSpPr>
+        <p:cNvPr id="1" name=""/>
+        <p:cNvGrpSpPr/>
+        <p:nvPr/>
+      </p:nvGrpSpPr>
+      <p:grpSpPr>
+        <a:xfrm>
+          <a:off x="0" y="0"/>
+          <a:ext cx="0" cy="0"/>
+          <a:chOff x="0" y="0"/>
+          <a:chExt cx="0" cy="0"/>
+        </a:xfrm>
+      </p:grpSpPr>
+      <p:sp>
+        <p:nvSpPr>
+          <p:cNvPr id="2" name="Slide Image Placeholder 1"/>
+          <p:cNvSpPr>
+            <a:spLocks noGrp="1" noRot="1" noChangeAspect="1"/>
+          </p:cNvSpPr>
+          <p:nvPr>
+            <p:ph type="sldImg"/>
+          </p:nvPr>
+        </p:nvSpPr>
+        <p:spPr/>
+      </p:sp>
+      <p:sp>
+        <p:nvSpPr>
+          <p:cNvPr id="3" name="Notes Placeholder 2"/>
+          <p:cNvSpPr>
+            <a:spLocks noGrp="1"/>
+          </p:cNvSpPr>
+          <p:nvPr>
+            <p:ph type="body" idx="1"/>
+          </p:nvPr>
+        </p:nvSpPr>
+        <p:spPr/>
+        <p:txBody>
+          <a:bodyPr>
+            <a:normAutofit/>
+          </a:bodyPr>
+          <a:lstStyle/>
+          <a:p>
+            <a:pPr marL="0" indent="0">
+              <a:buNone/>
             </a:pPr>
-            <a:r>
-              <a:rPr lang="en-US" dirty="0" smtClean="0"/>
-              <a:t>Use representative website</a:t>
-            </a:r>
-          </a:p>
-          <a:p>
-            <a:pPr marL="228600" indent="-228600">
-              <a:buAutoNum type="arabicPeriod" startAt="2"/>
-            </a:pPr>
-            <a:r>
-              <a:rPr lang="en-US" dirty="0" smtClean="0"/>
-              <a:t>Use</a:t>
-            </a:r>
-            <a:r>
-              <a:rPr lang="en-US" baseline="0" dirty="0" smtClean="0"/>
-              <a:t> </a:t>
-            </a:r>
-            <a:r>
-              <a:rPr lang="en-US" dirty="0" smtClean="0"/>
-              <a:t>phone dialer</a:t>
-            </a:r>
-            <a:endParaRPr lang="en-US" baseline="0" dirty="0" smtClean="0"/>
-          </a:p>
-          <a:p>
-            <a:pPr marL="228600" indent="-228600">
-              <a:buAutoNum type="arabicPeriod" startAt="2"/>
-            </a:pPr>
-            <a:r>
-              <a:rPr lang="en-US" baseline="0" dirty="0" smtClean="0"/>
-              <a:t>Use web browser</a:t>
-            </a:r>
             <a:endParaRPr lang="en-US" dirty="0"/>
           </a:p>
         </p:txBody>
@@ -1147,9 +1073,102 @@
           <a:lstStyle/>
           <a:p>
             <a:fld id="{74DE7DC8-A302-4EFB-9208-987A80C71CE4}" type="slidenum">
-              <a:rPr lang="en-US" smtClean="0"/>
+              <a:rPr lang="en-US" smtClean="0">
+                <a:solidFill>
+                  <a:prstClr val="black"/>
+                </a:solidFill>
+              </a:rPr>
               <a:pPr/>
               <a:t>12</a:t>
+            </a:fld>
+            <a:endParaRPr lang="en-US" dirty="0">
+              <a:solidFill>
+                <a:prstClr val="black"/>
+              </a:solidFill>
+            </a:endParaRPr>
+          </a:p>
+        </p:txBody>
+      </p:sp>
+    </p:spTree>
+  </p:cSld>
+  <p:clrMapOvr>
+    <a:masterClrMapping/>
+  </p:clrMapOvr>
+</p:notes>
+</file>
+
+<file path=ppt/notesSlides/notesSlide6.xml><?xml version="1.0" encoding="utf-8"?>
+<p:notes xmlns:a="http://schemas.openxmlformats.org/drawingml/2006/main" xmlns:r="http://schemas.openxmlformats.org/officeDocument/2006/relationships" xmlns:p="http://schemas.openxmlformats.org/presentationml/2006/main">
+  <p:cSld>
+    <p:spTree>
+      <p:nvGrpSpPr>
+        <p:cNvPr id="1" name=""/>
+        <p:cNvGrpSpPr/>
+        <p:nvPr/>
+      </p:nvGrpSpPr>
+      <p:grpSpPr>
+        <a:xfrm>
+          <a:off x="0" y="0"/>
+          <a:ext cx="0" cy="0"/>
+          <a:chOff x="0" y="0"/>
+          <a:chExt cx="0" cy="0"/>
+        </a:xfrm>
+      </p:grpSpPr>
+      <p:sp>
+        <p:nvSpPr>
+          <p:cNvPr id="2" name="Slide Image Placeholder 1"/>
+          <p:cNvSpPr>
+            <a:spLocks noGrp="1" noRot="1" noChangeAspect="1"/>
+          </p:cNvSpPr>
+          <p:nvPr>
+            <p:ph type="sldImg"/>
+          </p:nvPr>
+        </p:nvSpPr>
+        <p:spPr/>
+      </p:sp>
+      <p:sp>
+        <p:nvSpPr>
+          <p:cNvPr id="3" name="Notes Placeholder 2"/>
+          <p:cNvSpPr>
+            <a:spLocks noGrp="1"/>
+          </p:cNvSpPr>
+          <p:nvPr>
+            <p:ph type="body" idx="1"/>
+          </p:nvPr>
+        </p:nvSpPr>
+        <p:spPr/>
+        <p:txBody>
+          <a:bodyPr>
+            <a:normAutofit/>
+          </a:bodyPr>
+          <a:lstStyle/>
+          <a:p>
+            <a:pPr marL="0" indent="0">
+              <a:buNone/>
+            </a:pPr>
+            <a:endParaRPr lang="en-US" dirty="0"/>
+          </a:p>
+        </p:txBody>
+      </p:sp>
+      <p:sp>
+        <p:nvSpPr>
+          <p:cNvPr id="4" name="Slide Number Placeholder 3"/>
+          <p:cNvSpPr>
+            <a:spLocks noGrp="1"/>
+          </p:cNvSpPr>
+          <p:nvPr>
+            <p:ph type="sldNum" sz="quarter" idx="10"/>
+          </p:nvPr>
+        </p:nvSpPr>
+        <p:spPr/>
+        <p:txBody>
+          <a:bodyPr/>
+          <a:lstStyle/>
+          <a:p>
+            <a:fld id="{74DE7DC8-A302-4EFB-9208-987A80C71CE4}" type="slidenum">
+              <a:rPr lang="en-US" smtClean="0"/>
+              <a:pPr/>
+              <a:t>13</a:t>
             </a:fld>
             <a:endParaRPr lang="en-US" dirty="0"/>
           </a:p>
@@ -1345,7 +1364,7 @@
             <a:fld id="{7DDB771E-4AED-4DD3-8AA1-5D9FD2224F14}" type="datetimeFigureOut">
               <a:rPr lang="en-US" smtClean="0"/>
               <a:pPr/>
-              <a:t>8/29/2018</a:t>
+              <a:t>8/30/2018</a:t>
             </a:fld>
             <a:endParaRPr lang="en-US" dirty="0"/>
           </a:p>
@@ -1512,7 +1531,7 @@
             <a:fld id="{7DDB771E-4AED-4DD3-8AA1-5D9FD2224F14}" type="datetimeFigureOut">
               <a:rPr lang="en-US" smtClean="0"/>
               <a:pPr/>
-              <a:t>8/29/2018</a:t>
+              <a:t>8/30/2018</a:t>
             </a:fld>
             <a:endParaRPr lang="en-US" dirty="0"/>
           </a:p>
@@ -1689,7 +1708,7 @@
             <a:fld id="{7DDB771E-4AED-4DD3-8AA1-5D9FD2224F14}" type="datetimeFigureOut">
               <a:rPr lang="en-US" smtClean="0"/>
               <a:pPr/>
-              <a:t>8/29/2018</a:t>
+              <a:t>8/30/2018</a:t>
             </a:fld>
             <a:endParaRPr lang="en-US" dirty="0"/>
           </a:p>
@@ -1856,7 +1875,7 @@
             <a:fld id="{7DDB771E-4AED-4DD3-8AA1-5D9FD2224F14}" type="datetimeFigureOut">
               <a:rPr lang="en-US" smtClean="0"/>
               <a:pPr/>
-              <a:t>8/29/2018</a:t>
+              <a:t>8/30/2018</a:t>
             </a:fld>
             <a:endParaRPr lang="en-US" dirty="0"/>
           </a:p>
@@ -2099,7 +2118,7 @@
             <a:fld id="{7DDB771E-4AED-4DD3-8AA1-5D9FD2224F14}" type="datetimeFigureOut">
               <a:rPr lang="en-US" smtClean="0"/>
               <a:pPr/>
-              <a:t>8/29/2018</a:t>
+              <a:t>8/30/2018</a:t>
             </a:fld>
             <a:endParaRPr lang="en-US" dirty="0"/>
           </a:p>
@@ -2384,7 +2403,7 @@
             <a:fld id="{7DDB771E-4AED-4DD3-8AA1-5D9FD2224F14}" type="datetimeFigureOut">
               <a:rPr lang="en-US" smtClean="0"/>
               <a:pPr/>
-              <a:t>8/29/2018</a:t>
+              <a:t>8/30/2018</a:t>
             </a:fld>
             <a:endParaRPr lang="en-US" dirty="0"/>
           </a:p>
@@ -2803,7 +2822,7 @@
             <a:fld id="{7DDB771E-4AED-4DD3-8AA1-5D9FD2224F14}" type="datetimeFigureOut">
               <a:rPr lang="en-US" smtClean="0"/>
               <a:pPr/>
-              <a:t>8/29/2018</a:t>
+              <a:t>8/30/2018</a:t>
             </a:fld>
             <a:endParaRPr lang="en-US" dirty="0"/>
           </a:p>
@@ -2918,7 +2937,7 @@
             <a:fld id="{7DDB771E-4AED-4DD3-8AA1-5D9FD2224F14}" type="datetimeFigureOut">
               <a:rPr lang="en-US" smtClean="0"/>
               <a:pPr/>
-              <a:t>8/29/2018</a:t>
+              <a:t>8/30/2018</a:t>
             </a:fld>
             <a:endParaRPr lang="en-US" dirty="0"/>
           </a:p>
@@ -3010,7 +3029,7 @@
             <a:fld id="{7DDB771E-4AED-4DD3-8AA1-5D9FD2224F14}" type="datetimeFigureOut">
               <a:rPr lang="en-US" smtClean="0"/>
               <a:pPr/>
-              <a:t>8/29/2018</a:t>
+              <a:t>8/30/2018</a:t>
             </a:fld>
             <a:endParaRPr lang="en-US" dirty="0"/>
           </a:p>
@@ -3284,7 +3303,7 @@
             <a:fld id="{7DDB771E-4AED-4DD3-8AA1-5D9FD2224F14}" type="datetimeFigureOut">
               <a:rPr lang="en-US" smtClean="0"/>
               <a:pPr/>
-              <a:t>8/29/2018</a:t>
+              <a:t>8/30/2018</a:t>
             </a:fld>
             <a:endParaRPr lang="en-US" dirty="0"/>
           </a:p>
@@ -3534,7 +3553,7 @@
             <a:fld id="{7DDB771E-4AED-4DD3-8AA1-5D9FD2224F14}" type="datetimeFigureOut">
               <a:rPr lang="en-US" smtClean="0"/>
               <a:pPr/>
-              <a:t>8/29/2018</a:t>
+              <a:t>8/30/2018</a:t>
             </a:fld>
             <a:endParaRPr lang="en-US" dirty="0"/>
           </a:p>
@@ -3744,7 +3763,7 @@
             <a:fld id="{7DDB771E-4AED-4DD3-8AA1-5D9FD2224F14}" type="datetimeFigureOut">
               <a:rPr lang="en-US" smtClean="0"/>
               <a:pPr/>
-              <a:t>8/29/2018</a:t>
+              <a:t>8/30/2018</a:t>
             </a:fld>
             <a:endParaRPr lang="en-US" dirty="0"/>
           </a:p>
@@ -4542,7 +4561,7 @@
           <a:p>
             <a:r>
               <a:rPr lang="en-US" dirty="0" smtClean="0"/>
-              <a:t>Quick Demo</a:t>
+              <a:t>Issues To Watch For</a:t>
             </a:r>
             <a:endParaRPr lang="en-US" dirty="0"/>
           </a:p>
@@ -4557,7 +4576,7 @@
         <p:spPr>
           <a:xfrm>
             <a:off x="757367" y="1584186"/>
-            <a:ext cx="7515090" cy="1754326"/>
+            <a:ext cx="7515090" cy="4524315"/>
           </a:xfrm>
           <a:prstGeom prst="rect">
             <a:avLst/>
@@ -4575,48 +4594,6 @@
               <a:buChar char="•"/>
             </a:pPr>
             <a:r>
-              <a:rPr lang="en-US" dirty="0" smtClean="0">
-                <a:solidFill>
-                  <a:prstClr val="black"/>
-                </a:solidFill>
-              </a:rPr>
-              <a:t>  To save time the AWS SageMaker PlanesNet/TFLearn project has already been run and deployed using the AWS SageMaker Console and a Jupyter Notebook.</a:t>
-            </a:r>
-          </a:p>
-          <a:p>
-            <a:pPr>
-              <a:buFont typeface="Arial" pitchFamily="34" charset="0"/>
-              <a:buChar char="•"/>
-            </a:pPr>
-            <a:r>
-              <a:rPr lang="en-US" dirty="0" smtClean="0">
-                <a:solidFill>
-                  <a:prstClr val="black"/>
-                </a:solidFill>
-              </a:rPr>
-              <a:t>  We’ll:</a:t>
-            </a:r>
-          </a:p>
-          <a:p>
-            <a:pPr lvl="1">
-              <a:buFont typeface="Arial" pitchFamily="34" charset="0"/>
-              <a:buChar char="•"/>
-            </a:pPr>
-            <a:r>
-              <a:rPr lang="en-US" dirty="0" smtClean="0">
-                <a:solidFill>
-                  <a:prstClr val="black"/>
-                </a:solidFill>
-              </a:rPr>
-              <a:t>  Step through the Jupyter Notebook to show the process</a:t>
-            </a:r>
-          </a:p>
-          <a:p>
-            <a:pPr lvl="1">
-              <a:buFont typeface="Arial" pitchFamily="34" charset="0"/>
-              <a:buChar char="•"/>
-            </a:pPr>
-            <a:r>
               <a:rPr lang="en-US" dirty="0">
                 <a:solidFill>
                   <a:prstClr val="black"/>
@@ -4630,15 +4607,137 @@
                   <a:prstClr val="black"/>
                 </a:solidFill>
               </a:rPr>
-              <a:t> Display the output of the Predictor Model</a:t>
-            </a:r>
+              <a:t> </a:t>
+            </a:r>
+            <a:r>
+              <a:rPr lang="en-US" dirty="0" smtClean="0">
+                <a:solidFill>
+                  <a:prstClr val="black"/>
+                </a:solidFill>
+              </a:rPr>
+              <a:t>When creating a SageMaker Notebook you will create an SageMaker Execution IAM Role.  Be sure to add AmazonEC2ContainerRegistryFullAccess policy.  Otherwise you won’t be able to access ECR. </a:t>
+            </a:r>
+            <a:endParaRPr lang="en-US" dirty="0" smtClean="0">
+              <a:solidFill>
+                <a:prstClr val="black"/>
+              </a:solidFill>
+            </a:endParaRPr>
+          </a:p>
+          <a:p>
+            <a:pPr lvl="1">
+              <a:buFont typeface="Arial" pitchFamily="34" charset="0"/>
+              <a:buChar char="•"/>
+            </a:pPr>
+            <a:endParaRPr lang="en-US" dirty="0">
+              <a:solidFill>
+                <a:prstClr val="black"/>
+              </a:solidFill>
+            </a:endParaRPr>
+          </a:p>
+          <a:p>
+            <a:pPr>
+              <a:buFont typeface="Arial" pitchFamily="34" charset="0"/>
+              <a:buChar char="•"/>
+            </a:pPr>
+            <a:r>
+              <a:rPr lang="en-US" dirty="0" smtClean="0">
+                <a:solidFill>
+                  <a:prstClr val="black"/>
+                </a:solidFill>
+              </a:rPr>
+              <a:t>  </a:t>
+            </a:r>
+            <a:r>
+              <a:rPr lang="en-US" dirty="0" smtClean="0">
+                <a:solidFill>
+                  <a:prstClr val="black"/>
+                </a:solidFill>
+              </a:rPr>
+              <a:t>Resolving Container dependencies took a lot longer than expected.</a:t>
+            </a:r>
+          </a:p>
+          <a:p>
+            <a:pPr>
+              <a:buFont typeface="Arial" pitchFamily="34" charset="0"/>
+              <a:buChar char="•"/>
+            </a:pPr>
+            <a:endParaRPr lang="en-US" dirty="0">
+              <a:solidFill>
+                <a:prstClr val="black"/>
+              </a:solidFill>
+            </a:endParaRPr>
+          </a:p>
+          <a:p>
+            <a:pPr marL="0" lvl="1">
+              <a:buFont typeface="Arial" pitchFamily="34" charset="0"/>
+              <a:buChar char="•"/>
+            </a:pPr>
+            <a:r>
+              <a:rPr lang="en-US" dirty="0" smtClean="0">
+                <a:solidFill>
+                  <a:prstClr val="black"/>
+                </a:solidFill>
+              </a:rPr>
+              <a:t>  Passing data to the </a:t>
+            </a:r>
+            <a:r>
+              <a:rPr lang="en-US" dirty="0"/>
+              <a:t>Scoring </a:t>
+            </a:r>
+            <a:r>
+              <a:rPr lang="en-US" dirty="0" smtClean="0"/>
+              <a:t>Service took way longer than expected.  Passing a numpy ndarray correctly wasn’t obvious to me.  Initially package them as files but this was extremely slow.  Took some understanding of how they are constructed, how to flatten them, and how to reconstitute them so I could pass them to the Scoring Service as a string.</a:t>
+            </a:r>
+            <a:endParaRPr lang="en-US" dirty="0">
+              <a:solidFill>
+                <a:prstClr val="black"/>
+              </a:solidFill>
+            </a:endParaRPr>
+          </a:p>
+          <a:p>
+            <a:pPr marL="0" lvl="1">
+              <a:buFont typeface="Arial" pitchFamily="34" charset="0"/>
+              <a:buChar char="•"/>
+            </a:pPr>
+            <a:endParaRPr lang="en-US" dirty="0" smtClean="0">
+              <a:solidFill>
+                <a:prstClr val="black"/>
+              </a:solidFill>
+            </a:endParaRPr>
+          </a:p>
+          <a:p>
+            <a:pPr marL="0" lvl="1">
+              <a:buFont typeface="Arial" pitchFamily="34" charset="0"/>
+              <a:buChar char="•"/>
+            </a:pPr>
+            <a:r>
+              <a:rPr lang="en-US" dirty="0">
+                <a:solidFill>
+                  <a:prstClr val="black"/>
+                </a:solidFill>
+              </a:rPr>
+              <a:t> </a:t>
+            </a:r>
+            <a:r>
+              <a:rPr lang="en-US" dirty="0" smtClean="0">
+                <a:solidFill>
+                  <a:prstClr val="black"/>
+                </a:solidFill>
+              </a:rPr>
+              <a:t> Local testing uses curl to pass data to the Scoring Service by reading a file.  So I needed to write the image chips which I wanted to run predictions on to a file.  I modified and ran the detector.py script to write the chips out to a file as they were being processed.      </a:t>
+            </a:r>
+            <a:endParaRPr lang="en-US" dirty="0" smtClean="0">
+              <a:solidFill>
+                <a:prstClr val="black"/>
+              </a:solidFill>
+            </a:endParaRPr>
           </a:p>
         </p:txBody>
       </p:sp>
     </p:spTree>
     <p:extLst>
       <p:ext uri="{BB962C8B-B14F-4D97-AF65-F5344CB8AC3E}">
-        <p14:creationId xmlns:p14="http://schemas.microsoft.com/office/powerpoint/2010/main" val="1780325179"/>
+        <p14:creationId xmlns:p14="http://schemas.microsoft.com/office/powerpoint/2010/main" val="770858212"/>
       </p:ext>
     </p:extLst>
   </p:cSld>
@@ -4689,7 +4788,7 @@
           <a:p>
             <a:r>
               <a:rPr lang="en-US" dirty="0" smtClean="0"/>
-              <a:t>Conclusions</a:t>
+              <a:t>Quick Demo</a:t>
             </a:r>
             <a:endParaRPr lang="en-US" dirty="0"/>
           </a:p>
@@ -4704,7 +4803,7 @@
         <p:spPr>
           <a:xfrm>
             <a:off x="757367" y="1584186"/>
-            <a:ext cx="7515090" cy="2308324"/>
+            <a:ext cx="7515090" cy="1754326"/>
           </a:xfrm>
           <a:prstGeom prst="rect">
             <a:avLst/>
@@ -4722,8 +4821,26 @@
               <a:buChar char="•"/>
             </a:pPr>
             <a:r>
-              <a:rPr lang="en-US" dirty="0" smtClean="0"/>
-              <a:t>  Cons</a:t>
+              <a:rPr lang="en-US" dirty="0" smtClean="0">
+                <a:solidFill>
+                  <a:prstClr val="black"/>
+                </a:solidFill>
+              </a:rPr>
+              <a:t>  To save time the AWS SageMaker PlanesNet/TFLearn project has already been run and deployed using the AWS SageMaker Console and a Jupyter Notebook.</a:t>
+            </a:r>
+          </a:p>
+          <a:p>
+            <a:pPr>
+              <a:buFont typeface="Arial" pitchFamily="34" charset="0"/>
+              <a:buChar char="•"/>
+            </a:pPr>
+            <a:r>
+              <a:rPr lang="en-US" dirty="0" smtClean="0">
+                <a:solidFill>
+                  <a:prstClr val="black"/>
+                </a:solidFill>
+              </a:rPr>
+              <a:t>  We’ll:</a:t>
             </a:r>
           </a:p>
           <a:p>
@@ -4732,16 +4849,12 @@
               <a:buChar char="•"/>
             </a:pPr>
             <a:r>
-              <a:rPr lang="en-US" dirty="0" smtClean="0"/>
-              <a:t>  Creating </a:t>
-            </a:r>
-            <a:r>
-              <a:rPr lang="en-US" dirty="0" smtClean="0"/>
-              <a:t>custom </a:t>
-            </a:r>
-            <a:r>
-              <a:rPr lang="en-US" dirty="0" smtClean="0"/>
-              <a:t>containers is time consuming initially but subsequent iterations are faster as you become more familiar with the process</a:t>
+              <a:rPr lang="en-US" dirty="0" smtClean="0">
+                <a:solidFill>
+                  <a:prstClr val="black"/>
+                </a:solidFill>
+              </a:rPr>
+              <a:t>  Step through the Jupyter Notebook to show the process</a:t>
             </a:r>
           </a:p>
           <a:p>
@@ -4750,50 +4863,20 @@
               <a:buChar char="•"/>
             </a:pPr>
             <a:r>
-              <a:rPr lang="en-US" dirty="0"/>
+              <a:rPr lang="en-US" dirty="0">
+                <a:solidFill>
+                  <a:prstClr val="black"/>
+                </a:solidFill>
+              </a:rPr>
               <a:t> </a:t>
             </a:r>
             <a:r>
-              <a:rPr lang="en-US" dirty="0" smtClean="0"/>
-              <a:t> Requires knowledge of AWS, Docker, ML Framework, Language SDK, etc.</a:t>
-            </a:r>
-          </a:p>
-          <a:p>
-            <a:pPr>
-              <a:buFont typeface="Arial" pitchFamily="34" charset="0"/>
-              <a:buChar char="•"/>
-            </a:pPr>
-            <a:r>
-              <a:rPr lang="en-US" dirty="0" smtClean="0"/>
-              <a:t>  Pros</a:t>
-            </a:r>
-          </a:p>
-          <a:p>
-            <a:pPr lvl="1">
-              <a:buFont typeface="Arial" pitchFamily="34" charset="0"/>
-              <a:buChar char="•"/>
-            </a:pPr>
-            <a:r>
-              <a:rPr lang="en-US" dirty="0"/>
-              <a:t> </a:t>
-            </a:r>
-            <a:r>
-              <a:rPr lang="en-US" dirty="0" smtClean="0"/>
-              <a:t> Managed Service</a:t>
-            </a:r>
-          </a:p>
-          <a:p>
-            <a:pPr lvl="1">
-              <a:buFont typeface="Arial" pitchFamily="34" charset="0"/>
-              <a:buChar char="•"/>
-            </a:pPr>
-            <a:r>
-              <a:rPr lang="en-US" dirty="0"/>
-              <a:t> </a:t>
-            </a:r>
-            <a:r>
-              <a:rPr lang="en-US" dirty="0" smtClean="0"/>
-              <a:t> On Demand</a:t>
+              <a:rPr lang="en-US" dirty="0" smtClean="0">
+                <a:solidFill>
+                  <a:prstClr val="black"/>
+                </a:solidFill>
+              </a:rPr>
+              <a:t> Display the output of the Predictor Model</a:t>
             </a:r>
           </a:p>
         </p:txBody>
@@ -4801,7 +4884,7 @@
     </p:spTree>
     <p:extLst>
       <p:ext uri="{BB962C8B-B14F-4D97-AF65-F5344CB8AC3E}">
-        <p14:creationId xmlns:p14="http://schemas.microsoft.com/office/powerpoint/2010/main" val="1236400761"/>
+        <p14:creationId xmlns:p14="http://schemas.microsoft.com/office/powerpoint/2010/main" val="1780325179"/>
       </p:ext>
     </p:extLst>
   </p:cSld>
@@ -4837,6 +4920,166 @@
       </p:grpSpPr>
       <p:sp>
         <p:nvSpPr>
+          <p:cNvPr id="3" name="Title 1"/>
+          <p:cNvSpPr>
+            <a:spLocks noGrp="1"/>
+          </p:cNvSpPr>
+          <p:nvPr>
+            <p:ph type="title"/>
+          </p:nvPr>
+        </p:nvSpPr>
+        <p:spPr/>
+        <p:txBody>
+          <a:bodyPr/>
+          <a:lstStyle/>
+          <a:p>
+            <a:r>
+              <a:rPr lang="en-US" dirty="0" smtClean="0"/>
+              <a:t>Conclusions</a:t>
+            </a:r>
+            <a:endParaRPr lang="en-US" dirty="0"/>
+          </a:p>
+        </p:txBody>
+      </p:sp>
+      <p:sp>
+        <p:nvSpPr>
+          <p:cNvPr id="5" name="TextBox 4"/>
+          <p:cNvSpPr txBox="1"/>
+          <p:nvPr/>
+        </p:nvSpPr>
+        <p:spPr>
+          <a:xfrm>
+            <a:off x="757367" y="1584186"/>
+            <a:ext cx="7515090" cy="2308324"/>
+          </a:xfrm>
+          <a:prstGeom prst="rect">
+            <a:avLst/>
+          </a:prstGeom>
+          <a:noFill/>
+        </p:spPr>
+        <p:txBody>
+          <a:bodyPr wrap="square" rtlCol="0">
+            <a:spAutoFit/>
+          </a:bodyPr>
+          <a:lstStyle/>
+          <a:p>
+            <a:pPr>
+              <a:buFont typeface="Arial" pitchFamily="34" charset="0"/>
+              <a:buChar char="•"/>
+            </a:pPr>
+            <a:r>
+              <a:rPr lang="en-US" dirty="0" smtClean="0"/>
+              <a:t>  Cons</a:t>
+            </a:r>
+          </a:p>
+          <a:p>
+            <a:pPr lvl="1">
+              <a:buFont typeface="Arial" pitchFamily="34" charset="0"/>
+              <a:buChar char="•"/>
+            </a:pPr>
+            <a:r>
+              <a:rPr lang="en-US" dirty="0" smtClean="0"/>
+              <a:t>  Creating custom containers is time consuming initially but subsequent iterations are faster as you become more familiar with the process</a:t>
+            </a:r>
+          </a:p>
+          <a:p>
+            <a:pPr lvl="1">
+              <a:buFont typeface="Arial" pitchFamily="34" charset="0"/>
+              <a:buChar char="•"/>
+            </a:pPr>
+            <a:r>
+              <a:rPr lang="en-US" dirty="0"/>
+              <a:t> </a:t>
+            </a:r>
+            <a:r>
+              <a:rPr lang="en-US" dirty="0" smtClean="0"/>
+              <a:t> Requires knowledge of AWS, Docker, ML Framework, Language SDK, etc</a:t>
+            </a:r>
+            <a:r>
+              <a:rPr lang="en-US" dirty="0" smtClean="0"/>
+              <a:t>.  Not trivial.</a:t>
+            </a:r>
+            <a:endParaRPr lang="en-US" dirty="0" smtClean="0"/>
+          </a:p>
+          <a:p>
+            <a:pPr>
+              <a:buFont typeface="Arial" pitchFamily="34" charset="0"/>
+              <a:buChar char="•"/>
+            </a:pPr>
+            <a:r>
+              <a:rPr lang="en-US" dirty="0" smtClean="0"/>
+              <a:t>  Pros</a:t>
+            </a:r>
+          </a:p>
+          <a:p>
+            <a:pPr lvl="1">
+              <a:buFont typeface="Arial" pitchFamily="34" charset="0"/>
+              <a:buChar char="•"/>
+            </a:pPr>
+            <a:r>
+              <a:rPr lang="en-US" dirty="0"/>
+              <a:t> </a:t>
+            </a:r>
+            <a:r>
+              <a:rPr lang="en-US" dirty="0" smtClean="0"/>
+              <a:t> Managed Service</a:t>
+            </a:r>
+          </a:p>
+          <a:p>
+            <a:pPr lvl="1">
+              <a:buFont typeface="Arial" pitchFamily="34" charset="0"/>
+              <a:buChar char="•"/>
+            </a:pPr>
+            <a:r>
+              <a:rPr lang="en-US" dirty="0"/>
+              <a:t> </a:t>
+            </a:r>
+            <a:r>
+              <a:rPr lang="en-US" dirty="0" smtClean="0"/>
+              <a:t> On Demand</a:t>
+            </a:r>
+          </a:p>
+        </p:txBody>
+      </p:sp>
+    </p:spTree>
+    <p:extLst>
+      <p:ext uri="{BB962C8B-B14F-4D97-AF65-F5344CB8AC3E}">
+        <p14:creationId xmlns:p14="http://schemas.microsoft.com/office/powerpoint/2010/main" val="1236400761"/>
+      </p:ext>
+    </p:extLst>
+  </p:cSld>
+  <p:clrMapOvr>
+    <a:masterClrMapping/>
+  </p:clrMapOvr>
+  <p:timing>
+    <p:tnLst>
+      <p:par>
+        <p:cTn id="1" dur="indefinite" restart="never" nodeType="tmRoot"/>
+      </p:par>
+    </p:tnLst>
+  </p:timing>
+</p:sld>
+</file>
+
+<file path=ppt/slides/slide14.xml><?xml version="1.0" encoding="utf-8"?>
+<p:sld xmlns:a="http://schemas.openxmlformats.org/drawingml/2006/main" xmlns:r="http://schemas.openxmlformats.org/officeDocument/2006/relationships" xmlns:p="http://schemas.openxmlformats.org/presentationml/2006/main">
+  <p:cSld>
+    <p:spTree>
+      <p:nvGrpSpPr>
+        <p:cNvPr id="1" name=""/>
+        <p:cNvGrpSpPr/>
+        <p:nvPr/>
+      </p:nvGrpSpPr>
+      <p:grpSpPr>
+        <a:xfrm>
+          <a:off x="0" y="0"/>
+          <a:ext cx="0" cy="0"/>
+          <a:chOff x="0" y="0"/>
+          <a:chExt cx="0" cy="0"/>
+        </a:xfrm>
+      </p:grpSpPr>
+      <p:sp>
+        <p:nvSpPr>
           <p:cNvPr id="5" name="TextBox 4"/>
           <p:cNvSpPr txBox="1"/>
           <p:nvPr/>
@@ -4988,7 +5231,7 @@
 </p:sld>
 </file>
 
-<file path=ppt/slides/slide14.xml><?xml version="1.0" encoding="utf-8"?>
+<file path=ppt/slides/slide15.xml><?xml version="1.0" encoding="utf-8"?>
 <p:sld xmlns:a="http://schemas.openxmlformats.org/drawingml/2006/main" xmlns:r="http://schemas.openxmlformats.org/officeDocument/2006/relationships" xmlns:p="http://schemas.openxmlformats.org/presentationml/2006/main">
   <p:cSld>
     <p:spTree>
@@ -5179,7 +5422,11 @@
             </a:r>
             <a:r>
               <a:rPr lang="en-US" dirty="0" smtClean="0"/>
-              <a:t>frameworks.  i.e. “Bring Your Own Container”</a:t>
+              <a:t>frameworks.  </a:t>
+            </a:r>
+            <a:r>
+              <a:rPr lang="en-US" b="1" dirty="0" smtClean="0"/>
+              <a:t>i.e. “Bring Your Own Container”</a:t>
             </a:r>
           </a:p>
         </p:txBody>
@@ -5429,7 +5676,15 @@
             </a:pPr>
             <a:r>
               <a:rPr lang="en-US" dirty="0" smtClean="0"/>
-              <a:t>AWS SageMaker has a predefined project structure and methods used for creating your own container</a:t>
+              <a:t>AWS SageMaker has a predefined project structure and </a:t>
+            </a:r>
+            <a:r>
+              <a:rPr lang="en-US" dirty="0" smtClean="0"/>
+              <a:t>method calls used </a:t>
+            </a:r>
+            <a:r>
+              <a:rPr lang="en-US" dirty="0" smtClean="0"/>
+              <a:t>for creating your own container</a:t>
             </a:r>
           </a:p>
           <a:p>
@@ -5570,7 +5825,23 @@
                   <a:prstClr val="black"/>
                 </a:solidFill>
               </a:rPr>
-              <a:t>We used PlanesNet-Detector a TFLearn/Python project for this example as a starting point</a:t>
+              <a:t>We used PlanesNet-Detector a TFLearn/Python project </a:t>
+            </a:r>
+            <a:r>
+              <a:rPr lang="en-US" dirty="0" smtClean="0">
+                <a:solidFill>
+                  <a:prstClr val="black"/>
+                </a:solidFill>
+              </a:rPr>
+              <a:t>as </a:t>
+            </a:r>
+            <a:r>
+              <a:rPr lang="en-US" dirty="0" smtClean="0">
+                <a:solidFill>
+                  <a:prstClr val="black"/>
+                </a:solidFill>
+              </a:rPr>
+              <a:t>a starting point</a:t>
             </a:r>
           </a:p>
           <a:p>
@@ -5620,8 +5891,21 @@
                   <a:prstClr val="black"/>
                 </a:solidFill>
               </a:rPr>
-              <a:t>It was implemented as a stand-alone command line project with clear instructions and testing artifacts</a:t>
-            </a:r>
+              <a:t>It was implemented as a stand-alone command line project with clear instructions and testing </a:t>
+            </a:r>
+            <a:r>
+              <a:rPr lang="en-US" dirty="0" smtClean="0">
+                <a:solidFill>
+                  <a:prstClr val="black"/>
+                </a:solidFill>
+              </a:rPr>
+              <a:t>artifacts</a:t>
+            </a:r>
+            <a:endParaRPr lang="en-US" dirty="0" smtClean="0">
+              <a:solidFill>
+                <a:prstClr val="black"/>
+              </a:solidFill>
+            </a:endParaRPr>
           </a:p>
         </p:txBody>
       </p:sp>
@@ -5824,7 +6108,7 @@
         <p:spPr>
           <a:xfrm>
             <a:off x="1064029" y="1886989"/>
-            <a:ext cx="6899564" cy="2862322"/>
+            <a:ext cx="6899564" cy="3139321"/>
           </a:xfrm>
           <a:prstGeom prst="rect">
             <a:avLst/>
@@ -5847,8 +6131,21 @@
                   <a:prstClr val="black"/>
                 </a:solidFill>
               </a:rPr>
-              <a:t>Build Locally and Test</a:t>
-            </a:r>
+              <a:t>Build </a:t>
+            </a:r>
+            <a:r>
+              <a:rPr lang="en-US" dirty="0" smtClean="0">
+                <a:solidFill>
+                  <a:prstClr val="black"/>
+                </a:solidFill>
+              </a:rPr>
+              <a:t>and Test Locally</a:t>
+            </a:r>
+            <a:endParaRPr lang="en-US" dirty="0" smtClean="0">
+              <a:solidFill>
+                <a:prstClr val="black"/>
+              </a:solidFill>
+            </a:endParaRPr>
           </a:p>
           <a:p>
             <a:pPr marL="742950" lvl="1" indent="-285750">
@@ -5897,8 +6194,37 @@
                   <a:prstClr val="black"/>
                 </a:solidFill>
               </a:rPr>
-              <a:t>Build Using AWS SageMaker Jupiter Notebook and Test</a:t>
-            </a:r>
+              <a:t>Build </a:t>
+            </a:r>
+            <a:r>
+              <a:rPr lang="en-US" dirty="0" smtClean="0">
+                <a:solidFill>
+                  <a:prstClr val="black"/>
+                </a:solidFill>
+              </a:rPr>
+              <a:t>and Test Using </a:t>
+            </a:r>
+            <a:r>
+              <a:rPr lang="en-US" dirty="0" smtClean="0">
+                <a:solidFill>
+                  <a:prstClr val="black"/>
+                </a:solidFill>
+              </a:rPr>
+              <a:t>AWS SageMaker Jupiter </a:t>
+            </a:r>
+            <a:r>
+              <a:rPr lang="en-US" dirty="0">
+                <a:solidFill>
+                  <a:prstClr val="black"/>
+                </a:solidFill>
+              </a:rPr>
+              <a:t>Notebook and SageMaker Python SDK</a:t>
+            </a:r>
+            <a:endParaRPr lang="en-US" dirty="0" smtClean="0">
+              <a:solidFill>
+                <a:prstClr val="black"/>
+              </a:solidFill>
+            </a:endParaRPr>
           </a:p>
           <a:p>
             <a:pPr marL="742950" lvl="1" indent="-285750">
@@ -6120,8 +6446,8 @@
         </p:nvSpPr>
         <p:spPr>
           <a:xfrm>
-            <a:off x="757367" y="1584186"/>
-            <a:ext cx="7515090" cy="4524315"/>
+            <a:off x="757367" y="1372511"/>
+            <a:ext cx="7515090" cy="5078313"/>
           </a:xfrm>
           <a:prstGeom prst="rect">
             <a:avLst/>
@@ -6181,13 +6507,34 @@
               <a:buChar char="•"/>
             </a:pPr>
             <a:r>
+              <a:rPr lang="en-US" dirty="0" smtClean="0"/>
+              <a:t>  Load your model  </a:t>
+            </a:r>
+          </a:p>
+          <a:p>
+            <a:pPr lvl="1">
+              <a:buFont typeface="Arial" pitchFamily="34" charset="0"/>
+              <a:buChar char="•"/>
+            </a:pPr>
+            <a:r>
+              <a:rPr lang="en-US" dirty="0" smtClean="0"/>
+              <a:t>  Run your prediction code</a:t>
+            </a:r>
+          </a:p>
+          <a:p>
+            <a:pPr lvl="1">
+              <a:buFont typeface="Arial" pitchFamily="34" charset="0"/>
+              <a:buChar char="•"/>
+            </a:pPr>
+            <a:r>
               <a:rPr lang="en-US" dirty="0"/>
               <a:t> </a:t>
             </a:r>
             <a:r>
               <a:rPr lang="en-US" dirty="0" smtClean="0"/>
-              <a:t> Your prediction code</a:t>
-            </a:r>
+              <a:t> Entry point for Scoring Service</a:t>
+            </a:r>
+            <a:endParaRPr lang="en-US" dirty="0" smtClean="0"/>
           </a:p>
           <a:p>
             <a:pPr lvl="1"/>
@@ -6214,8 +6561,13 @@
             </a:pPr>
             <a:r>
               <a:rPr lang="en-US" dirty="0" smtClean="0"/>
-              <a:t>  Your training code</a:t>
-            </a:r>
+              <a:t>  Your </a:t>
+            </a:r>
+            <a:r>
+              <a:rPr lang="en-US" dirty="0" smtClean="0"/>
+              <a:t>training code</a:t>
+            </a:r>
+            <a:endParaRPr lang="en-US" dirty="0" smtClean="0"/>
           </a:p>
           <a:p>
             <a:pPr lvl="1"/>

--- a/slides/AWS-Sagemaker-Planesnet-TFLearn-Bring-Your-Own-Container.pptx
+++ b/slides/AWS-Sagemaker-Planesnet-TFLearn-Bring-Your-Own-Container.pptx
@@ -4607,21 +4607,8 @@
                   <a:prstClr val="black"/>
                 </a:solidFill>
               </a:rPr>
-              <a:t> </a:t>
-            </a:r>
-            <a:r>
-              <a:rPr lang="en-US" dirty="0" smtClean="0">
-                <a:solidFill>
-                  <a:prstClr val="black"/>
-                </a:solidFill>
-              </a:rPr>
-              <a:t>When creating a SageMaker Notebook you will create an SageMaker Execution IAM Role.  Be sure to add AmazonEC2ContainerRegistryFullAccess policy.  Otherwise you won’t be able to access ECR. </a:t>
-            </a:r>
-            <a:endParaRPr lang="en-US" dirty="0" smtClean="0">
-              <a:solidFill>
-                <a:prstClr val="black"/>
-              </a:solidFill>
-            </a:endParaRPr>
+              <a:t> When creating a SageMaker Notebook you will create an SageMaker Execution IAM Role.  Be sure to add AmazonEC2ContainerRegistryFullAccess policy.  Otherwise you won’t be able to access ECR. </a:t>
+            </a:r>
           </a:p>
           <a:p>
             <a:pPr lvl="1">
@@ -4645,15 +4632,7 @@
                   <a:prstClr val="black"/>
                 </a:solidFill>
               </a:rPr>
-              <a:t>  </a:t>
-            </a:r>
-            <a:r>
-              <a:rPr lang="en-US" dirty="0" smtClean="0">
-                <a:solidFill>
-                  <a:prstClr val="black"/>
-                </a:solidFill>
-              </a:rPr>
-              <a:t>Resolving Container dependencies took a lot longer than expected.</a:t>
+              <a:t>  Resolving Container dependencies took a lot longer than expected.</a:t>
             </a:r>
           </a:p>
           <a:p>
@@ -4686,7 +4665,27 @@
             </a:r>
             <a:r>
               <a:rPr lang="en-US" dirty="0" smtClean="0"/>
-              <a:t>Service took way longer than expected.  Passing a numpy ndarray correctly wasn’t obvious to me.  Initially package them as files but this was extremely slow.  Took some understanding of how they are constructed, how to flatten them, and how to reconstitute them so I could pass them to the Scoring Service as a string.</a:t>
+              <a:t>Service took way longer than expected.  Passing a numpy ndarray correctly wasn’t obvious to me.  Initially </a:t>
+            </a:r>
+            <a:r>
+              <a:rPr lang="en-US" dirty="0" smtClean="0"/>
+              <a:t>passed the image chips as </a:t>
+            </a:r>
+            <a:r>
+              <a:rPr lang="en-US" dirty="0" smtClean="0"/>
+              <a:t>files but this was extremely slow.  Took some understanding of how </a:t>
+            </a:r>
+            <a:r>
+              <a:rPr lang="en-US" dirty="0" smtClean="0"/>
+              <a:t>numpy ndarray </a:t>
+            </a:r>
+            <a:r>
+              <a:rPr lang="en-US" dirty="0" smtClean="0"/>
+              <a:t>are </a:t>
+            </a:r>
+            <a:r>
+              <a:rPr lang="en-US" dirty="0" smtClean="0"/>
+              <a:t>constructed, how to flatten them, and how to reconstitute them so I could pass them to the Scoring Service as a string.</a:t>
             </a:r>
             <a:endParaRPr lang="en-US" dirty="0">
               <a:solidFill>
@@ -4724,13 +4723,40 @@
                   <a:prstClr val="black"/>
                 </a:solidFill>
               </a:rPr>
-              <a:t> Local testing uses curl to pass data to the Scoring Service by reading a file.  So I needed to write the image chips which I wanted to run predictions on to a file.  I modified and ran the detector.py script to write the chips out to a file as they were being processed.      </a:t>
-            </a:r>
-            <a:endParaRPr lang="en-US" dirty="0" smtClean="0">
-              <a:solidFill>
-                <a:prstClr val="black"/>
-              </a:solidFill>
-            </a:endParaRPr>
+              <a:t> Local testing uses curl to pass data to the Scoring Service by reading a file.  So I needed to write the image chips which I wanted to run predictions on </a:t>
+            </a:r>
+            <a:r>
+              <a:rPr lang="en-US" dirty="0" smtClean="0">
+                <a:solidFill>
+                  <a:prstClr val="black"/>
+                </a:solidFill>
+              </a:rPr>
+              <a:t>as a file</a:t>
+            </a:r>
+            <a:r>
+              <a:rPr lang="en-US" dirty="0" smtClean="0">
+                <a:solidFill>
+                  <a:prstClr val="black"/>
+                </a:solidFill>
+              </a:rPr>
+              <a:t>.  I modified and ran the detector.py script to write the chips </a:t>
+            </a:r>
+            <a:r>
+              <a:rPr lang="en-US" dirty="0" smtClean="0">
+                <a:solidFill>
+                  <a:prstClr val="black"/>
+                </a:solidFill>
+              </a:rPr>
+              <a:t>to </a:t>
+            </a:r>
+            <a:r>
+              <a:rPr lang="en-US" dirty="0" smtClean="0">
+                <a:solidFill>
+                  <a:prstClr val="black"/>
+                </a:solidFill>
+              </a:rPr>
+              <a:t>a file as they were being processed.      </a:t>
+            </a:r>
           </a:p>
         </p:txBody>
       </p:sp>
@@ -4993,13 +5019,16 @@
             </a:r>
             <a:r>
               <a:rPr lang="en-US" dirty="0" smtClean="0"/>
-              <a:t> Requires knowledge of AWS, Docker, ML Framework, Language SDK, etc</a:t>
+              <a:t> Requires knowledge of AWS, Docker, ML Framework, Language SDK, etc.  </a:t>
             </a:r>
             <a:r>
               <a:rPr lang="en-US" dirty="0" smtClean="0"/>
-              <a:t>.  Not trivial.</a:t>
-            </a:r>
-            <a:endParaRPr lang="en-US" dirty="0" smtClean="0"/>
+              <a:t>Non </a:t>
+            </a:r>
+            <a:r>
+              <a:rPr lang="en-US" dirty="0" smtClean="0"/>
+              <a:t>trivial.</a:t>
+            </a:r>
           </a:p>
           <a:p>
             <a:pPr>
@@ -5676,15 +5705,7 @@
             </a:pPr>
             <a:r>
               <a:rPr lang="en-US" dirty="0" smtClean="0"/>
-              <a:t>AWS SageMaker has a predefined project structure and </a:t>
-            </a:r>
-            <a:r>
-              <a:rPr lang="en-US" dirty="0" smtClean="0"/>
-              <a:t>method calls used </a:t>
-            </a:r>
-            <a:r>
-              <a:rPr lang="en-US" dirty="0" smtClean="0"/>
-              <a:t>for creating your own container</a:t>
+              <a:t>AWS SageMaker has a predefined project structure and method calls used for creating your own container</a:t>
             </a:r>
           </a:p>
           <a:p>
@@ -5825,23 +5846,7 @@
                   <a:prstClr val="black"/>
                 </a:solidFill>
               </a:rPr>
-              <a:t>We used PlanesNet-Detector a TFLearn/Python project </a:t>
-            </a:r>
-            <a:r>
-              <a:rPr lang="en-US" dirty="0" smtClean="0">
-                <a:solidFill>
-                  <a:prstClr val="black"/>
-                </a:solidFill>
-              </a:rPr>
-              <a:t>as </a:t>
-            </a:r>
-            <a:r>
-              <a:rPr lang="en-US" dirty="0" smtClean="0">
-                <a:solidFill>
-                  <a:prstClr val="black"/>
-                </a:solidFill>
-              </a:rPr>
-              <a:t>a starting point</a:t>
+              <a:t>We used PlanesNet-Detector a TFLearn/Python project as a starting point</a:t>
             </a:r>
           </a:p>
           <a:p>
@@ -5891,21 +5896,8 @@
                   <a:prstClr val="black"/>
                 </a:solidFill>
               </a:rPr>
-              <a:t>It was implemented as a stand-alone command line project with clear instructions and testing </a:t>
-            </a:r>
-            <a:r>
-              <a:rPr lang="en-US" dirty="0" smtClean="0">
-                <a:solidFill>
-                  <a:prstClr val="black"/>
-                </a:solidFill>
-              </a:rPr>
-              <a:t>artifacts</a:t>
-            </a:r>
-            <a:endParaRPr lang="en-US" dirty="0" smtClean="0">
-              <a:solidFill>
-                <a:prstClr val="black"/>
-              </a:solidFill>
-            </a:endParaRPr>
+              <a:t>It was implemented as a stand-alone command line project with clear instructions and testing artifacts</a:t>
+            </a:r>
           </a:p>
         </p:txBody>
       </p:sp>
@@ -6131,21 +6123,8 @@
                   <a:prstClr val="black"/>
                 </a:solidFill>
               </a:rPr>
-              <a:t>Build </a:t>
-            </a:r>
-            <a:r>
-              <a:rPr lang="en-US" dirty="0" smtClean="0">
-                <a:solidFill>
-                  <a:prstClr val="black"/>
-                </a:solidFill>
-              </a:rPr>
-              <a:t>and Test Locally</a:t>
-            </a:r>
-            <a:endParaRPr lang="en-US" dirty="0" smtClean="0">
-              <a:solidFill>
-                <a:prstClr val="black"/>
-              </a:solidFill>
-            </a:endParaRPr>
+              <a:t>Build and Test Locally</a:t>
+            </a:r>
           </a:p>
           <a:p>
             <a:pPr marL="742950" lvl="1" indent="-285750">
@@ -6194,23 +6173,7 @@
                   <a:prstClr val="black"/>
                 </a:solidFill>
               </a:rPr>
-              <a:t>Build </a:t>
-            </a:r>
-            <a:r>
-              <a:rPr lang="en-US" dirty="0" smtClean="0">
-                <a:solidFill>
-                  <a:prstClr val="black"/>
-                </a:solidFill>
-              </a:rPr>
-              <a:t>and Test Using </a:t>
-            </a:r>
-            <a:r>
-              <a:rPr lang="en-US" dirty="0" smtClean="0">
-                <a:solidFill>
-                  <a:prstClr val="black"/>
-                </a:solidFill>
-              </a:rPr>
-              <a:t>AWS SageMaker Jupiter </a:t>
+              <a:t>Build and Test Using AWS SageMaker Jupiter </a:t>
             </a:r>
             <a:r>
               <a:rPr lang="en-US" dirty="0">
@@ -6534,7 +6497,6 @@
               <a:rPr lang="en-US" dirty="0" smtClean="0"/>
               <a:t> Entry point for Scoring Service</a:t>
             </a:r>
-            <a:endParaRPr lang="en-US" dirty="0" smtClean="0"/>
           </a:p>
           <a:p>
             <a:pPr lvl="1"/>
@@ -6561,13 +6523,8 @@
             </a:pPr>
             <a:r>
               <a:rPr lang="en-US" dirty="0" smtClean="0"/>
-              <a:t>  Your </a:t>
-            </a:r>
-            <a:r>
-              <a:rPr lang="en-US" dirty="0" smtClean="0"/>
-              <a:t>training code</a:t>
-            </a:r>
-            <a:endParaRPr lang="en-US" dirty="0" smtClean="0"/>
+              <a:t>  Your training code</a:t>
+            </a:r>
           </a:p>
           <a:p>
             <a:pPr lvl="1"/>

--- a/slides/AWS-Sagemaker-Planesnet-TFLearn-Bring-Your-Own-Container.pptx
+++ b/slides/AWS-Sagemaker-Planesnet-TFLearn-Bring-Your-Own-Container.pptx
@@ -210,7 +210,7 @@
             <a:fld id="{814910AB-AEF0-414C-82CB-791080B1186B}" type="datetimeFigureOut">
               <a:rPr lang="en-US" smtClean="0"/>
               <a:pPr/>
-              <a:t>8/30/2018</a:t>
+              <a:t>9/1/2018</a:t>
             </a:fld>
             <a:endParaRPr lang="en-US" dirty="0"/>
           </a:p>
@@ -377,7 +377,7 @@
             <a:fld id="{5B4AE38D-E020-46F3-803D-8636C5B7B74E}" type="datetimeFigureOut">
               <a:rPr lang="en-US" smtClean="0"/>
               <a:pPr/>
-              <a:t>8/30/2018</a:t>
+              <a:t>9/1/2018</a:t>
             </a:fld>
             <a:endParaRPr lang="en-US" dirty="0"/>
           </a:p>
@@ -1364,7 +1364,7 @@
             <a:fld id="{7DDB771E-4AED-4DD3-8AA1-5D9FD2224F14}" type="datetimeFigureOut">
               <a:rPr lang="en-US" smtClean="0"/>
               <a:pPr/>
-              <a:t>8/30/2018</a:t>
+              <a:t>9/1/2018</a:t>
             </a:fld>
             <a:endParaRPr lang="en-US" dirty="0"/>
           </a:p>
@@ -1531,7 +1531,7 @@
             <a:fld id="{7DDB771E-4AED-4DD3-8AA1-5D9FD2224F14}" type="datetimeFigureOut">
               <a:rPr lang="en-US" smtClean="0"/>
               <a:pPr/>
-              <a:t>8/30/2018</a:t>
+              <a:t>9/1/2018</a:t>
             </a:fld>
             <a:endParaRPr lang="en-US" dirty="0"/>
           </a:p>
@@ -1708,7 +1708,7 @@
             <a:fld id="{7DDB771E-4AED-4DD3-8AA1-5D9FD2224F14}" type="datetimeFigureOut">
               <a:rPr lang="en-US" smtClean="0"/>
               <a:pPr/>
-              <a:t>8/30/2018</a:t>
+              <a:t>9/1/2018</a:t>
             </a:fld>
             <a:endParaRPr lang="en-US" dirty="0"/>
           </a:p>
@@ -1875,7 +1875,7 @@
             <a:fld id="{7DDB771E-4AED-4DD3-8AA1-5D9FD2224F14}" type="datetimeFigureOut">
               <a:rPr lang="en-US" smtClean="0"/>
               <a:pPr/>
-              <a:t>8/30/2018</a:t>
+              <a:t>9/1/2018</a:t>
             </a:fld>
             <a:endParaRPr lang="en-US" dirty="0"/>
           </a:p>
@@ -2118,7 +2118,7 @@
             <a:fld id="{7DDB771E-4AED-4DD3-8AA1-5D9FD2224F14}" type="datetimeFigureOut">
               <a:rPr lang="en-US" smtClean="0"/>
               <a:pPr/>
-              <a:t>8/30/2018</a:t>
+              <a:t>9/1/2018</a:t>
             </a:fld>
             <a:endParaRPr lang="en-US" dirty="0"/>
           </a:p>
@@ -2403,7 +2403,7 @@
             <a:fld id="{7DDB771E-4AED-4DD3-8AA1-5D9FD2224F14}" type="datetimeFigureOut">
               <a:rPr lang="en-US" smtClean="0"/>
               <a:pPr/>
-              <a:t>8/30/2018</a:t>
+              <a:t>9/1/2018</a:t>
             </a:fld>
             <a:endParaRPr lang="en-US" dirty="0"/>
           </a:p>
@@ -2822,7 +2822,7 @@
             <a:fld id="{7DDB771E-4AED-4DD3-8AA1-5D9FD2224F14}" type="datetimeFigureOut">
               <a:rPr lang="en-US" smtClean="0"/>
               <a:pPr/>
-              <a:t>8/30/2018</a:t>
+              <a:t>9/1/2018</a:t>
             </a:fld>
             <a:endParaRPr lang="en-US" dirty="0"/>
           </a:p>
@@ -2937,7 +2937,7 @@
             <a:fld id="{7DDB771E-4AED-4DD3-8AA1-5D9FD2224F14}" type="datetimeFigureOut">
               <a:rPr lang="en-US" smtClean="0"/>
               <a:pPr/>
-              <a:t>8/30/2018</a:t>
+              <a:t>9/1/2018</a:t>
             </a:fld>
             <a:endParaRPr lang="en-US" dirty="0"/>
           </a:p>
@@ -3029,7 +3029,7 @@
             <a:fld id="{7DDB771E-4AED-4DD3-8AA1-5D9FD2224F14}" type="datetimeFigureOut">
               <a:rPr lang="en-US" smtClean="0"/>
               <a:pPr/>
-              <a:t>8/30/2018</a:t>
+              <a:t>9/1/2018</a:t>
             </a:fld>
             <a:endParaRPr lang="en-US" dirty="0"/>
           </a:p>
@@ -3303,7 +3303,7 @@
             <a:fld id="{7DDB771E-4AED-4DD3-8AA1-5D9FD2224F14}" type="datetimeFigureOut">
               <a:rPr lang="en-US" smtClean="0"/>
               <a:pPr/>
-              <a:t>8/30/2018</a:t>
+              <a:t>9/1/2018</a:t>
             </a:fld>
             <a:endParaRPr lang="en-US" dirty="0"/>
           </a:p>
@@ -3553,7 +3553,7 @@
             <a:fld id="{7DDB771E-4AED-4DD3-8AA1-5D9FD2224F14}" type="datetimeFigureOut">
               <a:rPr lang="en-US" smtClean="0"/>
               <a:pPr/>
-              <a:t>8/30/2018</a:t>
+              <a:t>9/1/2018</a:t>
             </a:fld>
             <a:endParaRPr lang="en-US" dirty="0"/>
           </a:p>
@@ -3763,7 +3763,7 @@
             <a:fld id="{7DDB771E-4AED-4DD3-8AA1-5D9FD2224F14}" type="datetimeFigureOut">
               <a:rPr lang="en-US" smtClean="0"/>
               <a:pPr/>
-              <a:t>8/30/2018</a:t>
+              <a:t>9/1/2018</a:t>
             </a:fld>
             <a:endParaRPr lang="en-US" dirty="0"/>
           </a:p>
@@ -4660,32 +4660,24 @@
               <a:t>  Passing data to the </a:t>
             </a:r>
             <a:r>
+              <a:rPr lang="en-US" dirty="0" smtClean="0"/>
+              <a:t>predictor.py took </a:t>
+            </a:r>
+            <a:r>
+              <a:rPr lang="en-US" dirty="0" smtClean="0"/>
+              <a:t>way longer than expected.  Passing a numpy ndarray correctly wasn’t obvious to me.  Initially passed the image chips as files but this was extremely slow.  Took some understanding of how numpy ndarray are constructed, how to flatten them, and how to reconstitute them so I could pass them to the </a:t>
+            </a:r>
+            <a:r>
               <a:rPr lang="en-US" dirty="0"/>
-              <a:t>Scoring </a:t>
+              <a:t>predictor.py </a:t>
             </a:r>
             <a:r>
               <a:rPr lang="en-US" dirty="0" smtClean="0"/>
-              <a:t>Service took way longer than expected.  Passing a numpy ndarray correctly wasn’t obvious to me.  Initially </a:t>
+              <a:t>as </a:t>
             </a:r>
             <a:r>
               <a:rPr lang="en-US" dirty="0" smtClean="0"/>
-              <a:t>passed the image chips as </a:t>
-            </a:r>
-            <a:r>
-              <a:rPr lang="en-US" dirty="0" smtClean="0"/>
-              <a:t>files but this was extremely slow.  Took some understanding of how </a:t>
-            </a:r>
-            <a:r>
-              <a:rPr lang="en-US" dirty="0" smtClean="0"/>
-              <a:t>numpy ndarray </a:t>
-            </a:r>
-            <a:r>
-              <a:rPr lang="en-US" dirty="0" smtClean="0"/>
-              <a:t>are </a:t>
-            </a:r>
-            <a:r>
-              <a:rPr lang="en-US" dirty="0" smtClean="0"/>
-              <a:t>constructed, how to flatten them, and how to reconstitute them so I could pass them to the Scoring Service as a string.</a:t>
+              <a:t>a string.</a:t>
             </a:r>
             <a:endParaRPr lang="en-US" dirty="0">
               <a:solidFill>
@@ -4723,7 +4715,15 @@
                   <a:prstClr val="black"/>
                 </a:solidFill>
               </a:rPr>
-              <a:t> Local testing uses curl to pass data to the Scoring Service by reading a file.  So I needed to write the image chips which I wanted to run predictions on </a:t>
+              <a:t> Local testing uses curl to pass data to the </a:t>
+            </a:r>
+            <a:r>
+              <a:rPr lang="en-US" dirty="0">
+                <a:solidFill>
+                  <a:prstClr val="black"/>
+                </a:solidFill>
+              </a:rPr>
+              <a:t>predictor.py </a:t>
             </a:r>
             <a:r>
               <a:rPr lang="en-US" dirty="0" smtClean="0">
@@ -4731,7 +4731,11 @@
                   <a:prstClr val="black"/>
                 </a:solidFill>
               </a:rPr>
-              <a:t>as a file</a:t>
+              <a:t>by reading a file.  So I needed to write the image chips which I wanted to run predictions on as a file.  I modified and ran the original detector.py from </a:t>
+            </a:r>
+            <a:r>
+              <a:rPr lang="en-US" dirty="0" smtClean="0"/>
+              <a:t>PlanesNet-Detector project </a:t>
             </a:r>
             <a:r>
               <a:rPr lang="en-US" dirty="0" smtClean="0">
@@ -4739,23 +4743,7 @@
                   <a:prstClr val="black"/>
                 </a:solidFill>
               </a:rPr>
-              <a:t>.  I modified and ran the detector.py script to write the chips </a:t>
-            </a:r>
-            <a:r>
-              <a:rPr lang="en-US" dirty="0" smtClean="0">
-                <a:solidFill>
-                  <a:prstClr val="black"/>
-                </a:solidFill>
-              </a:rPr>
-              <a:t>to </a:t>
-            </a:r>
-            <a:r>
-              <a:rPr lang="en-US" dirty="0" smtClean="0">
-                <a:solidFill>
-                  <a:prstClr val="black"/>
-                </a:solidFill>
-              </a:rPr>
-              <a:t>a file as they were being processed.      </a:t>
+              <a:t>to write the chips as a file as they were being processed.   </a:t>
             </a:r>
           </a:p>
         </p:txBody>
@@ -5019,15 +5007,7 @@
             </a:r>
             <a:r>
               <a:rPr lang="en-US" dirty="0" smtClean="0"/>
-              <a:t> Requires knowledge of AWS, Docker, ML Framework, Language SDK, etc.  </a:t>
-            </a:r>
-            <a:r>
-              <a:rPr lang="en-US" dirty="0" smtClean="0"/>
-              <a:t>Non </a:t>
-            </a:r>
-            <a:r>
-              <a:rPr lang="en-US" dirty="0" smtClean="0"/>
-              <a:t>trivial.</a:t>
+              <a:t> Requires knowledge of AWS, Docker, ML Framework, Language SDK, etc.  Non trivial.</a:t>
             </a:r>
           </a:p>
           <a:p>
